--- a/intro-to-ai-tools-with-excel/intro-to-ai-tools-with-excel.pptx
+++ b/intro-to-ai-tools-with-excel/intro-to-ai-tools-with-excel.pptx
@@ -5,7 +5,7 @@
     <p:sldMasterId id="2147483648" r:id="rId1"/>
   </p:sldMasterIdLst>
   <p:notesMasterIdLst>
-    <p:notesMasterId r:id="rId8"/>
+    <p:notesMasterId r:id="rId15"/>
   </p:notesMasterIdLst>
   <p:sldIdLst>
     <p:sldId id="256" r:id="rId2"/>
@@ -14,16 +14,23 @@
     <p:sldId id="435" r:id="rId5"/>
     <p:sldId id="415" r:id="rId6"/>
     <p:sldId id="427" r:id="rId7"/>
+    <p:sldId id="436" r:id="rId8"/>
+    <p:sldId id="437" r:id="rId9"/>
+    <p:sldId id="438" r:id="rId10"/>
+    <p:sldId id="439" r:id="rId11"/>
+    <p:sldId id="440" r:id="rId12"/>
+    <p:sldId id="441" r:id="rId13"/>
+    <p:sldId id="417" r:id="rId14"/>
   </p:sldIdLst>
   <p:sldSz cx="18288000" cy="10287000"/>
   <p:notesSz cx="6858000" cy="9144000"/>
   <p:embeddedFontLst>
     <p:embeddedFont>
       <p:font typeface="Consolas" panose="020B0609020204030204" pitchFamily="49" charset="0"/>
-      <p:regular r:id="rId9"/>
-      <p:bold r:id="rId10"/>
-      <p:italic r:id="rId11"/>
-      <p:boldItalic r:id="rId12"/>
+      <p:regular r:id="rId16"/>
+      <p:bold r:id="rId17"/>
+      <p:italic r:id="rId18"/>
+      <p:boldItalic r:id="rId19"/>
     </p:embeddedFont>
   </p:embeddedFontLst>
   <p:defaultTextStyle>
@@ -240,7 +247,7 @@
           <a:p>
             <a:fld id="{17A98A70-FA8C-4354-959C-C70678AC9BCF}" type="datetimeFigureOut">
               <a:rPr lang="en-US" smtClean="0"/>
-              <a:t>10/20/2024</a:t>
+              <a:t>4/1/2025</a:t>
             </a:fld>
             <a:endParaRPr lang="en-US"/>
           </a:p>
@@ -507,6 +514,402 @@
 </p:notesMaster>
 </file>
 
+<file path=ppt/notesSlides/notesSlide1.xml><?xml version="1.0" encoding="utf-8"?>
+<p:notes xmlns:a="http://schemas.openxmlformats.org/drawingml/2006/main" xmlns:r="http://schemas.openxmlformats.org/officeDocument/2006/relationships" xmlns:p="http://schemas.openxmlformats.org/presentationml/2006/main">
+  <p:cSld>
+    <p:spTree>
+      <p:nvGrpSpPr>
+        <p:cNvPr id="1" name="">
+          <a:extLst>
+            <a:ext uri="{FF2B5EF4-FFF2-40B4-BE49-F238E27FC236}">
+              <a16:creationId xmlns:a16="http://schemas.microsoft.com/office/drawing/2014/main" id="{53CEECE3-215F-ACA1-0A9E-52F2B001793F}"/>
+            </a:ext>
+          </a:extLst>
+        </p:cNvPr>
+        <p:cNvGrpSpPr/>
+        <p:nvPr/>
+      </p:nvGrpSpPr>
+      <p:grpSpPr>
+        <a:xfrm>
+          <a:off x="0" y="0"/>
+          <a:ext cx="0" cy="0"/>
+          <a:chOff x="0" y="0"/>
+          <a:chExt cx="0" cy="0"/>
+        </a:xfrm>
+      </p:grpSpPr>
+      <p:sp>
+        <p:nvSpPr>
+          <p:cNvPr id="2" name="Slide Image Placeholder 1">
+            <a:extLst>
+              <a:ext uri="{FF2B5EF4-FFF2-40B4-BE49-F238E27FC236}">
+                <a16:creationId xmlns:a16="http://schemas.microsoft.com/office/drawing/2014/main" id="{4B9C6BB9-A94F-0E5D-9F79-42E9EEAB97D5}"/>
+              </a:ext>
+            </a:extLst>
+          </p:cNvPr>
+          <p:cNvSpPr>
+            <a:spLocks noGrp="1" noRot="1" noChangeAspect="1"/>
+          </p:cNvSpPr>
+          <p:nvPr>
+            <p:ph type="sldImg"/>
+          </p:nvPr>
+        </p:nvSpPr>
+        <p:spPr/>
+      </p:sp>
+      <p:sp>
+        <p:nvSpPr>
+          <p:cNvPr id="3" name="Notes Placeholder 2">
+            <a:extLst>
+              <a:ext uri="{FF2B5EF4-FFF2-40B4-BE49-F238E27FC236}">
+                <a16:creationId xmlns:a16="http://schemas.microsoft.com/office/drawing/2014/main" id="{824C1764-900D-3240-5BD8-1FF41EA77A92}"/>
+              </a:ext>
+            </a:extLst>
+          </p:cNvPr>
+          <p:cNvSpPr>
+            <a:spLocks noGrp="1"/>
+          </p:cNvSpPr>
+          <p:nvPr>
+            <p:ph type="body" idx="1"/>
+          </p:nvPr>
+        </p:nvSpPr>
+        <p:spPr/>
+        <p:txBody>
+          <a:bodyPr/>
+          <a:lstStyle/>
+          <a:p>
+            <a:pPr marL="228600" indent="-228600">
+              <a:buAutoNum type="arabicPeriod"/>
+            </a:pPr>
+            <a:r>
+              <a:rPr lang="en-US" dirty="0"/>
+              <a:t>False!</a:t>
+            </a:r>
+          </a:p>
+          <a:p>
+            <a:pPr marL="228600" indent="-228600">
+              <a:buAutoNum type="arabicPeriod"/>
+            </a:pPr>
+            <a:r>
+              <a:rPr lang="en-US" dirty="0"/>
+              <a:t>Function, Formula, Function</a:t>
+            </a:r>
+          </a:p>
+          <a:p>
+            <a:pPr marL="228600" indent="-228600">
+              <a:buAutoNum type="arabicPeriod"/>
+            </a:pPr>
+            <a:r>
+              <a:rPr lang="en-US" dirty="0"/>
+              <a:t>Argument</a:t>
+            </a:r>
+          </a:p>
+        </p:txBody>
+      </p:sp>
+      <p:sp>
+        <p:nvSpPr>
+          <p:cNvPr id="4" name="Slide Number Placeholder 3">
+            <a:extLst>
+              <a:ext uri="{FF2B5EF4-FFF2-40B4-BE49-F238E27FC236}">
+                <a16:creationId xmlns:a16="http://schemas.microsoft.com/office/drawing/2014/main" id="{E5251A67-B5AF-B4C0-63F0-261F599A7B38}"/>
+              </a:ext>
+            </a:extLst>
+          </p:cNvPr>
+          <p:cNvSpPr>
+            <a:spLocks noGrp="1"/>
+          </p:cNvSpPr>
+          <p:nvPr>
+            <p:ph type="sldNum" sz="quarter" idx="5"/>
+          </p:nvPr>
+        </p:nvSpPr>
+        <p:spPr/>
+        <p:txBody>
+          <a:bodyPr/>
+          <a:lstStyle/>
+          <a:p>
+            <a:fld id="{1300335D-9F13-4B80-ADC5-B0EA3E10FF6B}" type="slidenum">
+              <a:rPr lang="en-US" smtClean="0"/>
+              <a:t>7</a:t>
+            </a:fld>
+            <a:endParaRPr lang="en-US"/>
+          </a:p>
+        </p:txBody>
+      </p:sp>
+    </p:spTree>
+    <p:extLst>
+      <p:ext uri="{BB962C8B-B14F-4D97-AF65-F5344CB8AC3E}">
+        <p14:creationId xmlns:p14="http://schemas.microsoft.com/office/powerpoint/2010/main" val="3170917826"/>
+      </p:ext>
+    </p:extLst>
+  </p:cSld>
+  <p:clrMapOvr>
+    <a:masterClrMapping/>
+  </p:clrMapOvr>
+</p:notes>
+</file>
+
+<file path=ppt/notesSlides/notesSlide2.xml><?xml version="1.0" encoding="utf-8"?>
+<p:notes xmlns:a="http://schemas.openxmlformats.org/drawingml/2006/main" xmlns:r="http://schemas.openxmlformats.org/officeDocument/2006/relationships" xmlns:p="http://schemas.openxmlformats.org/presentationml/2006/main">
+  <p:cSld>
+    <p:spTree>
+      <p:nvGrpSpPr>
+        <p:cNvPr id="1" name="">
+          <a:extLst>
+            <a:ext uri="{FF2B5EF4-FFF2-40B4-BE49-F238E27FC236}">
+              <a16:creationId xmlns:a16="http://schemas.microsoft.com/office/drawing/2014/main" id="{8F798339-56F8-D646-D27D-4ACB42776779}"/>
+            </a:ext>
+          </a:extLst>
+        </p:cNvPr>
+        <p:cNvGrpSpPr/>
+        <p:nvPr/>
+      </p:nvGrpSpPr>
+      <p:grpSpPr>
+        <a:xfrm>
+          <a:off x="0" y="0"/>
+          <a:ext cx="0" cy="0"/>
+          <a:chOff x="0" y="0"/>
+          <a:chExt cx="0" cy="0"/>
+        </a:xfrm>
+      </p:grpSpPr>
+      <p:sp>
+        <p:nvSpPr>
+          <p:cNvPr id="2" name="Slide Image Placeholder 1">
+            <a:extLst>
+              <a:ext uri="{FF2B5EF4-FFF2-40B4-BE49-F238E27FC236}">
+                <a16:creationId xmlns:a16="http://schemas.microsoft.com/office/drawing/2014/main" id="{2ADF09BE-7D1A-F663-64DB-C2BD7796BACF}"/>
+              </a:ext>
+            </a:extLst>
+          </p:cNvPr>
+          <p:cNvSpPr>
+            <a:spLocks noGrp="1" noRot="1" noChangeAspect="1"/>
+          </p:cNvSpPr>
+          <p:nvPr>
+            <p:ph type="sldImg"/>
+          </p:nvPr>
+        </p:nvSpPr>
+        <p:spPr/>
+      </p:sp>
+      <p:sp>
+        <p:nvSpPr>
+          <p:cNvPr id="3" name="Notes Placeholder 2">
+            <a:extLst>
+              <a:ext uri="{FF2B5EF4-FFF2-40B4-BE49-F238E27FC236}">
+                <a16:creationId xmlns:a16="http://schemas.microsoft.com/office/drawing/2014/main" id="{8EBB7D82-16A6-21A3-A4E0-A6AFE959FF6B}"/>
+              </a:ext>
+            </a:extLst>
+          </p:cNvPr>
+          <p:cNvSpPr>
+            <a:spLocks noGrp="1"/>
+          </p:cNvSpPr>
+          <p:nvPr>
+            <p:ph type="body" idx="1"/>
+          </p:nvPr>
+        </p:nvSpPr>
+        <p:spPr/>
+        <p:txBody>
+          <a:bodyPr/>
+          <a:lstStyle/>
+          <a:p>
+            <a:pPr marL="228600" indent="-228600">
+              <a:buAutoNum type="arabicPeriod"/>
+            </a:pPr>
+            <a:r>
+              <a:rPr lang="en-US" dirty="0"/>
+              <a:t>False!</a:t>
+            </a:r>
+          </a:p>
+          <a:p>
+            <a:pPr marL="228600" indent="-228600">
+              <a:buAutoNum type="arabicPeriod"/>
+            </a:pPr>
+            <a:r>
+              <a:rPr lang="en-US" dirty="0"/>
+              <a:t>Function, Formula, Function</a:t>
+            </a:r>
+          </a:p>
+          <a:p>
+            <a:pPr marL="228600" indent="-228600">
+              <a:buAutoNum type="arabicPeriod"/>
+            </a:pPr>
+            <a:r>
+              <a:rPr lang="en-US" dirty="0"/>
+              <a:t>Argument</a:t>
+            </a:r>
+          </a:p>
+        </p:txBody>
+      </p:sp>
+      <p:sp>
+        <p:nvSpPr>
+          <p:cNvPr id="4" name="Slide Number Placeholder 3">
+            <a:extLst>
+              <a:ext uri="{FF2B5EF4-FFF2-40B4-BE49-F238E27FC236}">
+                <a16:creationId xmlns:a16="http://schemas.microsoft.com/office/drawing/2014/main" id="{91DF0CE1-2007-5E0A-E695-59EF88CF3575}"/>
+              </a:ext>
+            </a:extLst>
+          </p:cNvPr>
+          <p:cNvSpPr>
+            <a:spLocks noGrp="1"/>
+          </p:cNvSpPr>
+          <p:nvPr>
+            <p:ph type="sldNum" sz="quarter" idx="5"/>
+          </p:nvPr>
+        </p:nvSpPr>
+        <p:spPr/>
+        <p:txBody>
+          <a:bodyPr/>
+          <a:lstStyle/>
+          <a:p>
+            <a:fld id="{1300335D-9F13-4B80-ADC5-B0EA3E10FF6B}" type="slidenum">
+              <a:rPr lang="en-US" smtClean="0"/>
+              <a:t>9</a:t>
+            </a:fld>
+            <a:endParaRPr lang="en-US"/>
+          </a:p>
+        </p:txBody>
+      </p:sp>
+    </p:spTree>
+    <p:extLst>
+      <p:ext uri="{BB962C8B-B14F-4D97-AF65-F5344CB8AC3E}">
+        <p14:creationId xmlns:p14="http://schemas.microsoft.com/office/powerpoint/2010/main" val="618927612"/>
+      </p:ext>
+    </p:extLst>
+  </p:cSld>
+  <p:clrMapOvr>
+    <a:masterClrMapping/>
+  </p:clrMapOvr>
+</p:notes>
+</file>
+
+<file path=ppt/notesSlides/notesSlide3.xml><?xml version="1.0" encoding="utf-8"?>
+<p:notes xmlns:a="http://schemas.openxmlformats.org/drawingml/2006/main" xmlns:r="http://schemas.openxmlformats.org/officeDocument/2006/relationships" xmlns:p="http://schemas.openxmlformats.org/presentationml/2006/main">
+  <p:cSld>
+    <p:spTree>
+      <p:nvGrpSpPr>
+        <p:cNvPr id="1" name="">
+          <a:extLst>
+            <a:ext uri="{FF2B5EF4-FFF2-40B4-BE49-F238E27FC236}">
+              <a16:creationId xmlns:a16="http://schemas.microsoft.com/office/drawing/2014/main" id="{653A8235-5487-504E-27B1-36445574C1A7}"/>
+            </a:ext>
+          </a:extLst>
+        </p:cNvPr>
+        <p:cNvGrpSpPr/>
+        <p:nvPr/>
+      </p:nvGrpSpPr>
+      <p:grpSpPr>
+        <a:xfrm>
+          <a:off x="0" y="0"/>
+          <a:ext cx="0" cy="0"/>
+          <a:chOff x="0" y="0"/>
+          <a:chExt cx="0" cy="0"/>
+        </a:xfrm>
+      </p:grpSpPr>
+      <p:sp>
+        <p:nvSpPr>
+          <p:cNvPr id="2" name="Slide Image Placeholder 1">
+            <a:extLst>
+              <a:ext uri="{FF2B5EF4-FFF2-40B4-BE49-F238E27FC236}">
+                <a16:creationId xmlns:a16="http://schemas.microsoft.com/office/drawing/2014/main" id="{20C77029-EAC6-D5D3-CD9E-0D58AB03737A}"/>
+              </a:ext>
+            </a:extLst>
+          </p:cNvPr>
+          <p:cNvSpPr>
+            <a:spLocks noGrp="1" noRot="1" noChangeAspect="1"/>
+          </p:cNvSpPr>
+          <p:nvPr>
+            <p:ph type="sldImg"/>
+          </p:nvPr>
+        </p:nvSpPr>
+        <p:spPr/>
+      </p:sp>
+      <p:sp>
+        <p:nvSpPr>
+          <p:cNvPr id="3" name="Notes Placeholder 2">
+            <a:extLst>
+              <a:ext uri="{FF2B5EF4-FFF2-40B4-BE49-F238E27FC236}">
+                <a16:creationId xmlns:a16="http://schemas.microsoft.com/office/drawing/2014/main" id="{DF7C7AA9-0EC1-9F14-E500-B5DB87CC060B}"/>
+              </a:ext>
+            </a:extLst>
+          </p:cNvPr>
+          <p:cNvSpPr>
+            <a:spLocks noGrp="1"/>
+          </p:cNvSpPr>
+          <p:nvPr>
+            <p:ph type="body" idx="1"/>
+          </p:nvPr>
+        </p:nvSpPr>
+        <p:spPr/>
+        <p:txBody>
+          <a:bodyPr/>
+          <a:lstStyle/>
+          <a:p>
+            <a:pPr marL="228600" indent="-228600">
+              <a:buAutoNum type="arabicPeriod"/>
+            </a:pPr>
+            <a:r>
+              <a:rPr lang="en-US" dirty="0"/>
+              <a:t>False!</a:t>
+            </a:r>
+          </a:p>
+          <a:p>
+            <a:pPr marL="228600" indent="-228600">
+              <a:buAutoNum type="arabicPeriod"/>
+            </a:pPr>
+            <a:r>
+              <a:rPr lang="en-US" dirty="0"/>
+              <a:t>Function, Formula, Function</a:t>
+            </a:r>
+          </a:p>
+          <a:p>
+            <a:pPr marL="228600" indent="-228600">
+              <a:buAutoNum type="arabicPeriod"/>
+            </a:pPr>
+            <a:r>
+              <a:rPr lang="en-US" dirty="0"/>
+              <a:t>Argument</a:t>
+            </a:r>
+          </a:p>
+        </p:txBody>
+      </p:sp>
+      <p:sp>
+        <p:nvSpPr>
+          <p:cNvPr id="4" name="Slide Number Placeholder 3">
+            <a:extLst>
+              <a:ext uri="{FF2B5EF4-FFF2-40B4-BE49-F238E27FC236}">
+                <a16:creationId xmlns:a16="http://schemas.microsoft.com/office/drawing/2014/main" id="{15C410E4-87F1-C130-1A8C-59D0150624AB}"/>
+              </a:ext>
+            </a:extLst>
+          </p:cNvPr>
+          <p:cNvSpPr>
+            <a:spLocks noGrp="1"/>
+          </p:cNvSpPr>
+          <p:nvPr>
+            <p:ph type="sldNum" sz="quarter" idx="5"/>
+          </p:nvPr>
+        </p:nvSpPr>
+        <p:spPr/>
+        <p:txBody>
+          <a:bodyPr/>
+          <a:lstStyle/>
+          <a:p>
+            <a:fld id="{1300335D-9F13-4B80-ADC5-B0EA3E10FF6B}" type="slidenum">
+              <a:rPr lang="en-US" smtClean="0"/>
+              <a:t>11</a:t>
+            </a:fld>
+            <a:endParaRPr lang="en-US"/>
+          </a:p>
+        </p:txBody>
+      </p:sp>
+    </p:spTree>
+    <p:extLst>
+      <p:ext uri="{BB962C8B-B14F-4D97-AF65-F5344CB8AC3E}">
+        <p14:creationId xmlns:p14="http://schemas.microsoft.com/office/powerpoint/2010/main" val="2722985217"/>
+      </p:ext>
+    </p:extLst>
+  </p:cSld>
+  <p:clrMapOvr>
+    <a:masterClrMapping/>
+  </p:clrMapOvr>
+</p:notes>
+</file>
+
 <file path=ppt/slideLayouts/slideLayout1.xml><?xml version="1.0" encoding="utf-8"?>
 <p:sldLayout xmlns:a="http://schemas.openxmlformats.org/drawingml/2006/main" xmlns:r="http://schemas.openxmlformats.org/officeDocument/2006/relationships" xmlns:p="http://schemas.openxmlformats.org/presentationml/2006/main" type="title" preserve="1">
   <p:cSld name="Title Slide">
@@ -687,7 +1090,7 @@
             <a:fld id="{1D8BD707-D9CF-40AE-B4C6-C98DA3205C09}" type="datetimeFigureOut">
               <a:rPr lang="en-US" smtClean="0"/>
               <a:pPr/>
-              <a:t>10/20/2024</a:t>
+              <a:t>4/1/2025</a:t>
             </a:fld>
             <a:endParaRPr lang="en-US"/>
           </a:p>
@@ -852,7 +1255,7 @@
             <a:fld id="{1D8BD707-D9CF-40AE-B4C6-C98DA3205C09}" type="datetimeFigureOut">
               <a:rPr lang="en-US" smtClean="0"/>
               <a:pPr/>
-              <a:t>10/20/2024</a:t>
+              <a:t>4/1/2025</a:t>
             </a:fld>
             <a:endParaRPr lang="en-US"/>
           </a:p>
@@ -1027,7 +1430,7 @@
             <a:fld id="{1D8BD707-D9CF-40AE-B4C6-C98DA3205C09}" type="datetimeFigureOut">
               <a:rPr lang="en-US" smtClean="0"/>
               <a:pPr/>
-              <a:t>10/20/2024</a:t>
+              <a:t>4/1/2025</a:t>
             </a:fld>
             <a:endParaRPr lang="en-US"/>
           </a:p>
@@ -1192,7 +1595,7 @@
             <a:fld id="{1D8BD707-D9CF-40AE-B4C6-C98DA3205C09}" type="datetimeFigureOut">
               <a:rPr lang="en-US" smtClean="0"/>
               <a:pPr/>
-              <a:t>10/20/2024</a:t>
+              <a:t>4/1/2025</a:t>
             </a:fld>
             <a:endParaRPr lang="en-US"/>
           </a:p>
@@ -1434,7 +1837,7 @@
             <a:fld id="{1D8BD707-D9CF-40AE-B4C6-C98DA3205C09}" type="datetimeFigureOut">
               <a:rPr lang="en-US" smtClean="0"/>
               <a:pPr/>
-              <a:t>10/20/2024</a:t>
+              <a:t>4/1/2025</a:t>
             </a:fld>
             <a:endParaRPr lang="en-US"/>
           </a:p>
@@ -1716,7 +2119,7 @@
             <a:fld id="{1D8BD707-D9CF-40AE-B4C6-C98DA3205C09}" type="datetimeFigureOut">
               <a:rPr lang="en-US" smtClean="0"/>
               <a:pPr/>
-              <a:t>10/20/2024</a:t>
+              <a:t>4/1/2025</a:t>
             </a:fld>
             <a:endParaRPr lang="en-US"/>
           </a:p>
@@ -2132,7 +2535,7 @@
             <a:fld id="{1D8BD707-D9CF-40AE-B4C6-C98DA3205C09}" type="datetimeFigureOut">
               <a:rPr lang="en-US" smtClean="0"/>
               <a:pPr/>
-              <a:t>10/20/2024</a:t>
+              <a:t>4/1/2025</a:t>
             </a:fld>
             <a:endParaRPr lang="en-US"/>
           </a:p>
@@ -2246,7 +2649,7 @@
             <a:fld id="{1D8BD707-D9CF-40AE-B4C6-C98DA3205C09}" type="datetimeFigureOut">
               <a:rPr lang="en-US" smtClean="0"/>
               <a:pPr/>
-              <a:t>10/20/2024</a:t>
+              <a:t>4/1/2025</a:t>
             </a:fld>
             <a:endParaRPr lang="en-US"/>
           </a:p>
@@ -2338,7 +2741,7 @@
             <a:fld id="{1D8BD707-D9CF-40AE-B4C6-C98DA3205C09}" type="datetimeFigureOut">
               <a:rPr lang="en-US" smtClean="0"/>
               <a:pPr/>
-              <a:t>10/20/2024</a:t>
+              <a:t>4/1/2025</a:t>
             </a:fld>
             <a:endParaRPr lang="en-US"/>
           </a:p>
@@ -2610,7 +3013,7 @@
             <a:fld id="{1D8BD707-D9CF-40AE-B4C6-C98DA3205C09}" type="datetimeFigureOut">
               <a:rPr lang="en-US" smtClean="0"/>
               <a:pPr/>
-              <a:t>10/20/2024</a:t>
+              <a:t>4/1/2025</a:t>
             </a:fld>
             <a:endParaRPr lang="en-US"/>
           </a:p>
@@ -2859,7 +3262,7 @@
             <a:fld id="{1D8BD707-D9CF-40AE-B4C6-C98DA3205C09}" type="datetimeFigureOut">
               <a:rPr lang="en-US" smtClean="0"/>
               <a:pPr/>
-              <a:t>10/20/2024</a:t>
+              <a:t>4/1/2025</a:t>
             </a:fld>
             <a:endParaRPr lang="en-US"/>
           </a:p>
@@ -3072,7 +3475,7 @@
             <a:fld id="{1D8BD707-D9CF-40AE-B4C6-C98DA3205C09}" type="datetimeFigureOut">
               <a:rPr lang="en-US" smtClean="0"/>
               <a:pPr/>
-              <a:t>10/20/2024</a:t>
+              <a:t>4/1/2025</a:t>
             </a:fld>
             <a:endParaRPr lang="en-US"/>
           </a:p>
@@ -3511,7 +3914,7 @@
         <p:spPr>
           <a:xfrm>
             <a:off x="486137" y="2531318"/>
-            <a:ext cx="11979797" cy="923330"/>
+            <a:ext cx="11979797" cy="5909310"/>
           </a:xfrm>
           <a:prstGeom prst="rect">
             <a:avLst/>
@@ -3531,7 +3934,68 @@
                 </a:solidFill>
                 <a:latin typeface="Pragmatica" panose="020B0403040502020204" pitchFamily="34" charset="0"/>
               </a:rPr>
-              <a:t>First steps with ChatGPT for Excel users</a:t>
+              <a:t>Intro to using AI tools with Excel</a:t>
+            </a:r>
+          </a:p>
+          <a:p>
+            <a:r>
+              <a:rPr lang="en-US" sz="5400" b="1" i="1" dirty="0">
+                <a:solidFill>
+                  <a:srgbClr val="CF3338"/>
+                </a:solidFill>
+                <a:latin typeface="Pragmatica" panose="020B0403040502020204" pitchFamily="34" charset="0"/>
+              </a:rPr>
+              <a:t>or</a:t>
+            </a:r>
+          </a:p>
+          <a:p>
+            <a:r>
+              <a:rPr lang="en-US" sz="5400" b="1" dirty="0">
+                <a:solidFill>
+                  <a:srgbClr val="CF3338"/>
+                </a:solidFill>
+                <a:latin typeface="Pragmatica" panose="020B0403040502020204" pitchFamily="34" charset="0"/>
+              </a:rPr>
+              <a:t>AI in Excel for Finance: Past, Present, Future</a:t>
+            </a:r>
+          </a:p>
+          <a:p>
+            <a:endParaRPr lang="en-US" sz="5400" b="1" dirty="0">
+              <a:solidFill>
+                <a:srgbClr val="CF3338"/>
+              </a:solidFill>
+              <a:latin typeface="Pragmatica" panose="020B0403040502020204" pitchFamily="34" charset="0"/>
+            </a:endParaRPr>
+          </a:p>
+          <a:p>
+            <a:r>
+              <a:rPr lang="en-US" sz="5400" b="1" dirty="0">
+                <a:solidFill>
+                  <a:srgbClr val="CF3338"/>
+                </a:solidFill>
+                <a:latin typeface="Pragmatica" panose="020B0403040502020204" pitchFamily="34" charset="0"/>
+              </a:rPr>
+              <a:t>George Mount</a:t>
+            </a:r>
+          </a:p>
+          <a:p>
+            <a:r>
+              <a:rPr lang="en-US" sz="5400" b="1" dirty="0" err="1">
+                <a:solidFill>
+                  <a:srgbClr val="CF3338"/>
+                </a:solidFill>
+                <a:latin typeface="Pragmatica" panose="020B0403040502020204" pitchFamily="34" charset="0"/>
+              </a:rPr>
+              <a:t>Stringfest</a:t>
+            </a:r>
+            <a:r>
+              <a:rPr lang="en-US" sz="5400" b="1" dirty="0">
+                <a:solidFill>
+                  <a:srgbClr val="CF3338"/>
+                </a:solidFill>
+                <a:latin typeface="Pragmatica" panose="020B0403040502020204" pitchFamily="34" charset="0"/>
+              </a:rPr>
+              <a:t> Analytics</a:t>
             </a:r>
           </a:p>
         </p:txBody>
@@ -3585,6 +4049,817 @@
     <p:extLst>
       <p:ext uri="{BB962C8B-B14F-4D97-AF65-F5344CB8AC3E}">
         <p14:creationId xmlns:p14="http://schemas.microsoft.com/office/powerpoint/2010/main" val="355659117"/>
+      </p:ext>
+    </p:extLst>
+  </p:cSld>
+  <p:clrMapOvr>
+    <a:masterClrMapping/>
+  </p:clrMapOvr>
+</p:sld>
+</file>
+
+<file path=ppt/slides/slide10.xml><?xml version="1.0" encoding="utf-8"?>
+<p:sld xmlns:a="http://schemas.openxmlformats.org/drawingml/2006/main" xmlns:r="http://schemas.openxmlformats.org/officeDocument/2006/relationships" xmlns:p="http://schemas.openxmlformats.org/presentationml/2006/main">
+  <p:cSld>
+    <p:spTree>
+      <p:nvGrpSpPr>
+        <p:cNvPr id="1" name="">
+          <a:extLst>
+            <a:ext uri="{FF2B5EF4-FFF2-40B4-BE49-F238E27FC236}">
+              <a16:creationId xmlns:a16="http://schemas.microsoft.com/office/drawing/2014/main" id="{042FA6D2-0D9A-12A6-E862-1D50015C75F0}"/>
+            </a:ext>
+          </a:extLst>
+        </p:cNvPr>
+        <p:cNvGrpSpPr/>
+        <p:nvPr/>
+      </p:nvGrpSpPr>
+      <p:grpSpPr>
+        <a:xfrm>
+          <a:off x="0" y="0"/>
+          <a:ext cx="0" cy="0"/>
+          <a:chOff x="0" y="0"/>
+          <a:chExt cx="0" cy="0"/>
+        </a:xfrm>
+      </p:grpSpPr>
+      <p:sp>
+        <p:nvSpPr>
+          <p:cNvPr id="4" name="Rectangle 3">
+            <a:extLst>
+              <a:ext uri="{FF2B5EF4-FFF2-40B4-BE49-F238E27FC236}">
+                <a16:creationId xmlns:a16="http://schemas.microsoft.com/office/drawing/2014/main" id="{F621C2F1-EB91-4AE6-6545-1EC2EE0BB06B}"/>
+              </a:ext>
+            </a:extLst>
+          </p:cNvPr>
+          <p:cNvSpPr/>
+          <p:nvPr/>
+        </p:nvSpPr>
+        <p:spPr>
+          <a:xfrm>
+            <a:off x="0" y="0"/>
+            <a:ext cx="18288000" cy="10287000"/>
+          </a:xfrm>
+          <a:prstGeom prst="rect">
+            <a:avLst/>
+          </a:prstGeom>
+          <a:solidFill>
+            <a:srgbClr val="CF3338"/>
+          </a:solidFill>
+          <a:ln>
+            <a:noFill/>
+          </a:ln>
+        </p:spPr>
+        <p:style>
+          <a:lnRef idx="2">
+            <a:schemeClr val="accent1">
+              <a:shade val="50000"/>
+            </a:schemeClr>
+          </a:lnRef>
+          <a:fillRef idx="1">
+            <a:schemeClr val="accent1"/>
+          </a:fillRef>
+          <a:effectRef idx="0">
+            <a:schemeClr val="accent1"/>
+          </a:effectRef>
+          <a:fontRef idx="minor">
+            <a:schemeClr val="lt1"/>
+          </a:fontRef>
+        </p:style>
+        <p:txBody>
+          <a:bodyPr rtlCol="0" anchor="ctr"/>
+          <a:lstStyle/>
+          <a:p>
+            <a:pPr algn="ctr"/>
+            <a:endParaRPr lang="en-US" sz="2700"/>
+          </a:p>
+        </p:txBody>
+      </p:sp>
+      <p:sp>
+        <p:nvSpPr>
+          <p:cNvPr id="5" name="TextBox 4">
+            <a:extLst>
+              <a:ext uri="{FF2B5EF4-FFF2-40B4-BE49-F238E27FC236}">
+                <a16:creationId xmlns:a16="http://schemas.microsoft.com/office/drawing/2014/main" id="{E720C05E-C5BD-C686-B018-9BB61152DA20}"/>
+              </a:ext>
+            </a:extLst>
+          </p:cNvPr>
+          <p:cNvSpPr txBox="1"/>
+          <p:nvPr/>
+        </p:nvSpPr>
+        <p:spPr>
+          <a:xfrm>
+            <a:off x="781292" y="590309"/>
+            <a:ext cx="15486926" cy="3139321"/>
+          </a:xfrm>
+          <a:prstGeom prst="rect">
+            <a:avLst/>
+          </a:prstGeom>
+          <a:noFill/>
+        </p:spPr>
+        <p:txBody>
+          <a:bodyPr wrap="square" rtlCol="0">
+            <a:spAutoFit/>
+          </a:bodyPr>
+          <a:lstStyle/>
+          <a:p>
+            <a:r>
+              <a:rPr lang="en-US" sz="9900" b="1" dirty="0">
+                <a:solidFill>
+                  <a:schemeClr val="bg1"/>
+                </a:solidFill>
+                <a:latin typeface="Normafixed Tryout" panose="00000409000000000000" pitchFamily="49" charset="0"/>
+              </a:rPr>
+              <a:t>AI for Excel future: Copilot for finance/Virtual agents</a:t>
+            </a:r>
+          </a:p>
+        </p:txBody>
+      </p:sp>
+    </p:spTree>
+    <p:extLst>
+      <p:ext uri="{BB962C8B-B14F-4D97-AF65-F5344CB8AC3E}">
+        <p14:creationId xmlns:p14="http://schemas.microsoft.com/office/powerpoint/2010/main" val="3767025860"/>
+      </p:ext>
+    </p:extLst>
+  </p:cSld>
+  <p:clrMapOvr>
+    <a:masterClrMapping/>
+  </p:clrMapOvr>
+</p:sld>
+</file>
+
+<file path=ppt/slides/slide11.xml><?xml version="1.0" encoding="utf-8"?>
+<p:sld xmlns:a="http://schemas.openxmlformats.org/drawingml/2006/main" xmlns:r="http://schemas.openxmlformats.org/officeDocument/2006/relationships" xmlns:p="http://schemas.openxmlformats.org/presentationml/2006/main">
+  <p:cSld>
+    <p:spTree>
+      <p:nvGrpSpPr>
+        <p:cNvPr id="1" name="">
+          <a:extLst>
+            <a:ext uri="{FF2B5EF4-FFF2-40B4-BE49-F238E27FC236}">
+              <a16:creationId xmlns:a16="http://schemas.microsoft.com/office/drawing/2014/main" id="{188F444A-30FA-C3F8-788E-6CCA61472B3D}"/>
+            </a:ext>
+          </a:extLst>
+        </p:cNvPr>
+        <p:cNvGrpSpPr/>
+        <p:nvPr/>
+      </p:nvGrpSpPr>
+      <p:grpSpPr>
+        <a:xfrm>
+          <a:off x="0" y="0"/>
+          <a:ext cx="0" cy="0"/>
+          <a:chOff x="0" y="0"/>
+          <a:chExt cx="0" cy="0"/>
+        </a:xfrm>
+      </p:grpSpPr>
+      <p:sp>
+        <p:nvSpPr>
+          <p:cNvPr id="4" name="Rectangle 3">
+            <a:extLst>
+              <a:ext uri="{FF2B5EF4-FFF2-40B4-BE49-F238E27FC236}">
+                <a16:creationId xmlns:a16="http://schemas.microsoft.com/office/drawing/2014/main" id="{6B3C288B-0F24-8C0F-A967-558660C8325E}"/>
+              </a:ext>
+            </a:extLst>
+          </p:cNvPr>
+          <p:cNvSpPr/>
+          <p:nvPr/>
+        </p:nvSpPr>
+        <p:spPr>
+          <a:xfrm>
+            <a:off x="9861630" y="0"/>
+            <a:ext cx="8426370" cy="10287000"/>
+          </a:xfrm>
+          <a:prstGeom prst="rect">
+            <a:avLst/>
+          </a:prstGeom>
+          <a:solidFill>
+            <a:srgbClr val="CF3338"/>
+          </a:solidFill>
+          <a:ln>
+            <a:noFill/>
+          </a:ln>
+        </p:spPr>
+        <p:style>
+          <a:lnRef idx="2">
+            <a:schemeClr val="accent1">
+              <a:shade val="50000"/>
+            </a:schemeClr>
+          </a:lnRef>
+          <a:fillRef idx="1">
+            <a:schemeClr val="accent1"/>
+          </a:fillRef>
+          <a:effectRef idx="0">
+            <a:schemeClr val="accent1"/>
+          </a:effectRef>
+          <a:fontRef idx="minor">
+            <a:schemeClr val="lt1"/>
+          </a:fontRef>
+        </p:style>
+        <p:txBody>
+          <a:bodyPr rtlCol="0" anchor="ctr"/>
+          <a:lstStyle/>
+          <a:p>
+            <a:pPr algn="ctr"/>
+            <a:endParaRPr lang="en-US" sz="2700"/>
+          </a:p>
+        </p:txBody>
+      </p:sp>
+      <p:pic>
+        <p:nvPicPr>
+          <p:cNvPr id="2" name="Picture 1">
+            <a:extLst>
+              <a:ext uri="{FF2B5EF4-FFF2-40B4-BE49-F238E27FC236}">
+                <a16:creationId xmlns:a16="http://schemas.microsoft.com/office/drawing/2014/main" id="{8792001F-8957-AD38-0D07-69CFB2EE73E2}"/>
+              </a:ext>
+            </a:extLst>
+          </p:cNvPr>
+          <p:cNvPicPr>
+            <a:picLocks noChangeAspect="1"/>
+          </p:cNvPicPr>
+          <p:nvPr/>
+        </p:nvPicPr>
+        <p:blipFill rotWithShape="1">
+          <a:blip r:embed="rId3">
+            <a:extLst>
+              <a:ext uri="{28A0092B-C50C-407E-A947-70E740481C1C}">
+                <a14:useLocalDpi xmlns:a14="http://schemas.microsoft.com/office/drawing/2010/main" val="0"/>
+              </a:ext>
+            </a:extLst>
+          </a:blip>
+          <a:srcRect l="69227" t="33418" r="20112" b="50548"/>
+          <a:stretch/>
+        </p:blipFill>
+        <p:spPr>
+          <a:xfrm>
+            <a:off x="15579524" y="7544693"/>
+            <a:ext cx="2708477" cy="2987579"/>
+          </a:xfrm>
+          <a:prstGeom prst="rect">
+            <a:avLst/>
+          </a:prstGeom>
+        </p:spPr>
+      </p:pic>
+      <p:sp>
+        <p:nvSpPr>
+          <p:cNvPr id="3" name="TextBox 2">
+            <a:extLst>
+              <a:ext uri="{FF2B5EF4-FFF2-40B4-BE49-F238E27FC236}">
+                <a16:creationId xmlns:a16="http://schemas.microsoft.com/office/drawing/2014/main" id="{D57CC963-C52B-51AB-FB3C-3D478E5950E8}"/>
+              </a:ext>
+            </a:extLst>
+          </p:cNvPr>
+          <p:cNvSpPr txBox="1"/>
+          <p:nvPr/>
+        </p:nvSpPr>
+        <p:spPr>
+          <a:xfrm>
+            <a:off x="260431" y="329879"/>
+            <a:ext cx="8906720" cy="9169690"/>
+          </a:xfrm>
+          <a:prstGeom prst="rect">
+            <a:avLst/>
+          </a:prstGeom>
+          <a:noFill/>
+        </p:spPr>
+        <p:txBody>
+          <a:bodyPr wrap="square" rtlCol="0">
+            <a:spAutoFit/>
+          </a:bodyPr>
+          <a:lstStyle/>
+          <a:p>
+            <a:r>
+              <a:rPr lang="en-US" sz="6000" b="1" dirty="0">
+                <a:solidFill>
+                  <a:srgbClr val="CF3338"/>
+                </a:solidFill>
+                <a:latin typeface="Pragmatica" panose="020B0403040502020204" pitchFamily="34" charset="0"/>
+              </a:rPr>
+              <a:t>AI for Excel future: Copilot for finance/Virtual agents</a:t>
+            </a:r>
+          </a:p>
+          <a:p>
+            <a:endParaRPr lang="en-US" sz="4200" dirty="0">
+              <a:solidFill>
+                <a:srgbClr val="CF3338"/>
+              </a:solidFill>
+              <a:latin typeface="Pragmatica" panose="020B0403040502020204" pitchFamily="34" charset="0"/>
+            </a:endParaRPr>
+          </a:p>
+          <a:p>
+            <a:pPr marL="685800" indent="-542925">
+              <a:lnSpc>
+                <a:spcPct val="115000"/>
+              </a:lnSpc>
+              <a:spcBef>
+                <a:spcPts val="1125"/>
+              </a:spcBef>
+              <a:buClr>
+                <a:srgbClr val="C00000"/>
+              </a:buClr>
+              <a:buSzPts val="2100"/>
+              <a:buFont typeface="Arial"/>
+              <a:buAutoNum type="arabicPeriod"/>
+            </a:pPr>
+            <a:r>
+              <a:rPr lang="en-US" sz="3600" dirty="0">
+                <a:solidFill>
+                  <a:srgbClr val="C00000"/>
+                </a:solidFill>
+                <a:latin typeface="Pragmatica" panose="020B0403040502020204"/>
+                <a:sym typeface="Consolas"/>
+              </a:rPr>
+              <a:t>AI systems designed to act autonomously or semi-autonomously on behalf of a user or system</a:t>
+            </a:r>
+          </a:p>
+          <a:p>
+            <a:pPr marL="685800" indent="-542925">
+              <a:lnSpc>
+                <a:spcPct val="115000"/>
+              </a:lnSpc>
+              <a:spcBef>
+                <a:spcPts val="1125"/>
+              </a:spcBef>
+              <a:buClr>
+                <a:srgbClr val="C00000"/>
+              </a:buClr>
+              <a:buSzPts val="2100"/>
+              <a:buFont typeface="Arial"/>
+              <a:buAutoNum type="arabicPeriod"/>
+            </a:pPr>
+            <a:r>
+              <a:rPr lang="en-US" sz="3600" dirty="0">
+                <a:solidFill>
+                  <a:srgbClr val="C00000"/>
+                </a:solidFill>
+                <a:latin typeface="Pragmatica" panose="020B0403040502020204"/>
+                <a:sym typeface="Consolas"/>
+              </a:rPr>
+              <a:t>Perform tasks, make decisions, or interact with environments based on predefined rules, learned behavior, or real-time input.</a:t>
+            </a:r>
+          </a:p>
+          <a:p>
+            <a:pPr marL="685800" indent="-542925">
+              <a:lnSpc>
+                <a:spcPct val="115000"/>
+              </a:lnSpc>
+              <a:spcBef>
+                <a:spcPts val="1125"/>
+              </a:spcBef>
+              <a:buClr>
+                <a:srgbClr val="C00000"/>
+              </a:buClr>
+              <a:buSzPts val="2100"/>
+              <a:buFont typeface="Arial"/>
+              <a:buAutoNum type="arabicPeriod"/>
+            </a:pPr>
+            <a:endParaRPr lang="en-US" sz="3600" dirty="0">
+              <a:solidFill>
+                <a:srgbClr val="C00000"/>
+              </a:solidFill>
+              <a:latin typeface="Pragmatica" panose="020B0403040502020204"/>
+              <a:sym typeface="Consolas"/>
+            </a:endParaRPr>
+          </a:p>
+          <a:p>
+            <a:pPr marL="142875">
+              <a:lnSpc>
+                <a:spcPct val="115000"/>
+              </a:lnSpc>
+              <a:spcBef>
+                <a:spcPts val="1125"/>
+              </a:spcBef>
+              <a:buClr>
+                <a:srgbClr val="C00000"/>
+              </a:buClr>
+              <a:buSzPts val="2100"/>
+            </a:pPr>
+            <a:r>
+              <a:rPr lang="en-US" sz="3600" dirty="0">
+                <a:solidFill>
+                  <a:srgbClr val="C00000"/>
+                </a:solidFill>
+                <a:latin typeface="Pragmatica" panose="020B0403040502020204"/>
+                <a:sym typeface="Consolas"/>
+              </a:rPr>
+              <a:t>File: </a:t>
+            </a:r>
+            <a:r>
+              <a:rPr lang="en-US" sz="3600" dirty="0">
+                <a:solidFill>
+                  <a:srgbClr val="C00000"/>
+                </a:solidFill>
+                <a:latin typeface="Consolas" panose="020B0609020204030204" pitchFamily="49" charset="0"/>
+                <a:sym typeface="Consolas"/>
+              </a:rPr>
+              <a:t>ai-for-excel-future.xlsx</a:t>
+            </a:r>
+            <a:endParaRPr lang="en-US" sz="6000" dirty="0">
+              <a:solidFill>
+                <a:srgbClr val="CF3338"/>
+              </a:solidFill>
+              <a:latin typeface="Consolas" panose="020B0609020204030204" pitchFamily="49" charset="0"/>
+            </a:endParaRPr>
+          </a:p>
+          <a:p>
+            <a:endParaRPr lang="en-US" sz="6000" dirty="0">
+              <a:solidFill>
+                <a:srgbClr val="CF3338"/>
+              </a:solidFill>
+              <a:latin typeface="Pragmatica" panose="020B0403040502020204" pitchFamily="34" charset="0"/>
+            </a:endParaRPr>
+          </a:p>
+        </p:txBody>
+      </p:sp>
+    </p:spTree>
+    <p:extLst>
+      <p:ext uri="{BB962C8B-B14F-4D97-AF65-F5344CB8AC3E}">
+        <p14:creationId xmlns:p14="http://schemas.microsoft.com/office/powerpoint/2010/main" val="2550784011"/>
+      </p:ext>
+    </p:extLst>
+  </p:cSld>
+  <p:clrMapOvr>
+    <a:masterClrMapping/>
+  </p:clrMapOvr>
+</p:sld>
+</file>
+
+<file path=ppt/slides/slide12.xml><?xml version="1.0" encoding="utf-8"?>
+<p:sld xmlns:a="http://schemas.openxmlformats.org/drawingml/2006/main" xmlns:r="http://schemas.openxmlformats.org/officeDocument/2006/relationships" xmlns:p="http://schemas.openxmlformats.org/presentationml/2006/main">
+  <p:cSld>
+    <p:spTree>
+      <p:nvGrpSpPr>
+        <p:cNvPr id="1" name=""/>
+        <p:cNvGrpSpPr/>
+        <p:nvPr/>
+      </p:nvGrpSpPr>
+      <p:grpSpPr>
+        <a:xfrm>
+          <a:off x="0" y="0"/>
+          <a:ext cx="0" cy="0"/>
+          <a:chOff x="0" y="0"/>
+          <a:chExt cx="0" cy="0"/>
+        </a:xfrm>
+      </p:grpSpPr>
+      <p:pic>
+        <p:nvPicPr>
+          <p:cNvPr id="10" name="Picture 9"/>
+          <p:cNvPicPr>
+            <a:picLocks noChangeAspect="1"/>
+          </p:cNvPicPr>
+          <p:nvPr/>
+        </p:nvPicPr>
+        <p:blipFill rotWithShape="1">
+          <a:blip r:embed="rId2">
+            <a:extLst>
+              <a:ext uri="{28A0092B-C50C-407E-A947-70E740481C1C}">
+                <a14:useLocalDpi xmlns:a14="http://schemas.microsoft.com/office/drawing/2010/main" val="0"/>
+              </a:ext>
+            </a:extLst>
+          </a:blip>
+          <a:srcRect l="50728" t="56371"/>
+          <a:stretch/>
+        </p:blipFill>
+        <p:spPr>
+          <a:xfrm>
+            <a:off x="12204691" y="3316148"/>
+            <a:ext cx="6083309" cy="6970854"/>
+          </a:xfrm>
+          <a:prstGeom prst="rect">
+            <a:avLst/>
+          </a:prstGeom>
+        </p:spPr>
+      </p:pic>
+      <p:pic>
+        <p:nvPicPr>
+          <p:cNvPr id="4" name="Picture 3"/>
+          <p:cNvPicPr>
+            <a:picLocks noChangeAspect="1"/>
+          </p:cNvPicPr>
+          <p:nvPr/>
+        </p:nvPicPr>
+        <p:blipFill>
+          <a:blip r:embed="rId3">
+            <a:extLst>
+              <a:ext uri="{28A0092B-C50C-407E-A947-70E740481C1C}">
+                <a14:useLocalDpi xmlns:a14="http://schemas.microsoft.com/office/drawing/2010/main" val="0"/>
+              </a:ext>
+            </a:extLst>
+          </a:blip>
+          <a:stretch>
+            <a:fillRect/>
+          </a:stretch>
+        </p:blipFill>
+        <p:spPr>
+          <a:xfrm>
+            <a:off x="-807744" y="-3724155"/>
+            <a:ext cx="15257208" cy="11189825"/>
+          </a:xfrm>
+          <a:prstGeom prst="rect">
+            <a:avLst/>
+          </a:prstGeom>
+        </p:spPr>
+      </p:pic>
+      <p:sp>
+        <p:nvSpPr>
+          <p:cNvPr id="11" name="TextBox 10"/>
+          <p:cNvSpPr txBox="1"/>
+          <p:nvPr/>
+        </p:nvSpPr>
+        <p:spPr>
+          <a:xfrm>
+            <a:off x="486137" y="2531318"/>
+            <a:ext cx="11979797" cy="923330"/>
+          </a:xfrm>
+          <a:prstGeom prst="rect">
+            <a:avLst/>
+          </a:prstGeom>
+          <a:noFill/>
+        </p:spPr>
+        <p:txBody>
+          <a:bodyPr wrap="square" rtlCol="0">
+            <a:spAutoFit/>
+          </a:bodyPr>
+          <a:lstStyle/>
+          <a:p>
+            <a:r>
+              <a:rPr lang="en-US" sz="5400" b="1" dirty="0">
+                <a:solidFill>
+                  <a:srgbClr val="CF3338"/>
+                </a:solidFill>
+                <a:latin typeface="Pragmatica" panose="020B0403040502020204" pitchFamily="34" charset="0"/>
+              </a:rPr>
+              <a:t>Questions?</a:t>
+            </a:r>
+          </a:p>
+        </p:txBody>
+      </p:sp>
+      <p:pic>
+        <p:nvPicPr>
+          <p:cNvPr id="5" name="Picture 4">
+            <a:extLst>
+              <a:ext uri="{FF2B5EF4-FFF2-40B4-BE49-F238E27FC236}">
+                <a16:creationId xmlns:a16="http://schemas.microsoft.com/office/drawing/2014/main" id="{54A06221-5316-4BCF-9FDA-BDB95FF4A778}"/>
+              </a:ext>
+            </a:extLst>
+          </p:cNvPr>
+          <p:cNvPicPr>
+            <a:picLocks noChangeAspect="1"/>
+          </p:cNvPicPr>
+          <p:nvPr/>
+        </p:nvPicPr>
+        <p:blipFill>
+          <a:blip r:embed="rId4">
+            <a:extLst>
+              <a:ext uri="{28A0092B-C50C-407E-A947-70E740481C1C}">
+                <a14:useLocalDpi xmlns:a14="http://schemas.microsoft.com/office/drawing/2010/main" val="0"/>
+              </a:ext>
+            </a:extLst>
+          </a:blip>
+          <a:srcRect/>
+          <a:stretch/>
+        </p:blipFill>
+        <p:spPr>
+          <a:xfrm>
+            <a:off x="12204691" y="3317239"/>
+            <a:ext cx="6083309" cy="6968672"/>
+          </a:xfrm>
+          <a:prstGeom prst="rect">
+            <a:avLst/>
+          </a:prstGeom>
+        </p:spPr>
+      </p:pic>
+    </p:spTree>
+    <p:extLst>
+      <p:ext uri="{BB962C8B-B14F-4D97-AF65-F5344CB8AC3E}">
+        <p14:creationId xmlns:p14="http://schemas.microsoft.com/office/powerpoint/2010/main" val="2367823393"/>
+      </p:ext>
+    </p:extLst>
+  </p:cSld>
+  <p:clrMapOvr>
+    <a:masterClrMapping/>
+  </p:clrMapOvr>
+</p:sld>
+</file>
+
+<file path=ppt/slides/slide13.xml><?xml version="1.0" encoding="utf-8"?>
+<p:sld xmlns:a="http://schemas.openxmlformats.org/drawingml/2006/main" xmlns:r="http://schemas.openxmlformats.org/officeDocument/2006/relationships" xmlns:p="http://schemas.openxmlformats.org/presentationml/2006/main">
+  <p:cSld>
+    <p:spTree>
+      <p:nvGrpSpPr>
+        <p:cNvPr id="1" name=""/>
+        <p:cNvGrpSpPr/>
+        <p:nvPr/>
+      </p:nvGrpSpPr>
+      <p:grpSpPr>
+        <a:xfrm>
+          <a:off x="0" y="0"/>
+          <a:ext cx="0" cy="0"/>
+          <a:chOff x="0" y="0"/>
+          <a:chExt cx="0" cy="0"/>
+        </a:xfrm>
+      </p:grpSpPr>
+      <p:pic>
+        <p:nvPicPr>
+          <p:cNvPr id="10" name="Picture 9"/>
+          <p:cNvPicPr>
+            <a:picLocks noChangeAspect="1"/>
+          </p:cNvPicPr>
+          <p:nvPr/>
+        </p:nvPicPr>
+        <p:blipFill rotWithShape="1">
+          <a:blip r:embed="rId2">
+            <a:extLst>
+              <a:ext uri="{28A0092B-C50C-407E-A947-70E740481C1C}">
+                <a14:useLocalDpi xmlns:a14="http://schemas.microsoft.com/office/drawing/2010/main" val="0"/>
+              </a:ext>
+            </a:extLst>
+          </a:blip>
+          <a:srcRect l="50728" t="56371"/>
+          <a:stretch/>
+        </p:blipFill>
+        <p:spPr>
+          <a:xfrm>
+            <a:off x="12204691" y="3316148"/>
+            <a:ext cx="6083309" cy="6970854"/>
+          </a:xfrm>
+          <a:prstGeom prst="rect">
+            <a:avLst/>
+          </a:prstGeom>
+        </p:spPr>
+      </p:pic>
+      <p:pic>
+        <p:nvPicPr>
+          <p:cNvPr id="4" name="Picture 3"/>
+          <p:cNvPicPr>
+            <a:picLocks noChangeAspect="1"/>
+          </p:cNvPicPr>
+          <p:nvPr/>
+        </p:nvPicPr>
+        <p:blipFill>
+          <a:blip r:embed="rId3">
+            <a:extLst>
+              <a:ext uri="{28A0092B-C50C-407E-A947-70E740481C1C}">
+                <a14:useLocalDpi xmlns:a14="http://schemas.microsoft.com/office/drawing/2010/main" val="0"/>
+              </a:ext>
+            </a:extLst>
+          </a:blip>
+          <a:stretch>
+            <a:fillRect/>
+          </a:stretch>
+        </p:blipFill>
+        <p:spPr>
+          <a:xfrm>
+            <a:off x="-807744" y="-3724155"/>
+            <a:ext cx="15257208" cy="11189825"/>
+          </a:xfrm>
+          <a:prstGeom prst="rect">
+            <a:avLst/>
+          </a:prstGeom>
+        </p:spPr>
+      </p:pic>
+      <p:sp>
+        <p:nvSpPr>
+          <p:cNvPr id="11" name="TextBox 10"/>
+          <p:cNvSpPr txBox="1"/>
+          <p:nvPr/>
+        </p:nvSpPr>
+        <p:spPr>
+          <a:xfrm>
+            <a:off x="486137" y="2531318"/>
+            <a:ext cx="11979797" cy="4524315"/>
+          </a:xfrm>
+          <a:prstGeom prst="rect">
+            <a:avLst/>
+          </a:prstGeom>
+          <a:noFill/>
+        </p:spPr>
+        <p:txBody>
+          <a:bodyPr wrap="square" rtlCol="0">
+            <a:spAutoFit/>
+          </a:bodyPr>
+          <a:lstStyle/>
+          <a:p>
+            <a:r>
+              <a:rPr lang="en-US" sz="5400" b="1" dirty="0">
+                <a:solidFill>
+                  <a:srgbClr val="CF3338"/>
+                </a:solidFill>
+                <a:latin typeface="Pragmatica" panose="020B0403040502020204" pitchFamily="34" charset="0"/>
+              </a:rPr>
+              <a:t>THANK YOU</a:t>
+            </a:r>
+          </a:p>
+          <a:p>
+            <a:endParaRPr lang="en-US" sz="5400" b="1" dirty="0">
+              <a:solidFill>
+                <a:srgbClr val="CF3338"/>
+              </a:solidFill>
+              <a:latin typeface="Pragmatica" panose="020B0403040502020204" pitchFamily="34" charset="0"/>
+            </a:endParaRPr>
+          </a:p>
+          <a:p>
+            <a:pPr marL="571500" indent="-571500">
+              <a:buFont typeface="Arial" panose="020B0604020202020204" pitchFamily="34" charset="0"/>
+              <a:buChar char="•"/>
+            </a:pPr>
+            <a:r>
+              <a:rPr lang="en-US" sz="3600" dirty="0">
+                <a:solidFill>
+                  <a:srgbClr val="CF3338"/>
+                </a:solidFill>
+                <a:latin typeface="Pragmatica" panose="020B0403040502020204"/>
+                <a:sym typeface="Consolas"/>
+              </a:rPr>
+              <a:t>linkedin.com/in/gjmount</a:t>
+            </a:r>
+          </a:p>
+          <a:p>
+            <a:pPr marL="571500" indent="-571500">
+              <a:buFont typeface="Arial" panose="020B0604020202020204" pitchFamily="34" charset="0"/>
+              <a:buChar char="•"/>
+            </a:pPr>
+            <a:r>
+              <a:rPr lang="en-US" sz="3600" dirty="0">
+                <a:solidFill>
+                  <a:srgbClr val="CF3338"/>
+                </a:solidFill>
+                <a:latin typeface="Pragmatica" panose="020B0403040502020204"/>
+                <a:sym typeface="Consolas"/>
+                <a:hlinkClick r:id="rId4">
+                  <a:extLst>
+                    <a:ext uri="{A12FA001-AC4F-418D-AE19-62706E023703}">
+                      <ahyp:hlinkClr xmlns:ahyp="http://schemas.microsoft.com/office/drawing/2018/hyperlinkcolor" val="tx"/>
+                    </a:ext>
+                  </a:extLst>
+                </a:hlinkClick>
+              </a:rPr>
+              <a:t>george@stringfestanalytics.com</a:t>
+            </a:r>
+            <a:r>
+              <a:rPr lang="en-US" sz="3600" dirty="0">
+                <a:solidFill>
+                  <a:srgbClr val="CF3338"/>
+                </a:solidFill>
+                <a:latin typeface="Pragmatica" panose="020B0403040502020204"/>
+                <a:sym typeface="Consolas"/>
+              </a:rPr>
+              <a:t> </a:t>
+            </a:r>
+          </a:p>
+          <a:p>
+            <a:endParaRPr lang="en-US" sz="5400" b="1" dirty="0">
+              <a:solidFill>
+                <a:srgbClr val="CF3338"/>
+              </a:solidFill>
+              <a:latin typeface="Pragmatica" panose="020B0403040502020204" pitchFamily="34" charset="0"/>
+            </a:endParaRPr>
+          </a:p>
+          <a:p>
+            <a:endParaRPr lang="en-US" sz="5400" b="1" dirty="0">
+              <a:solidFill>
+                <a:srgbClr val="CF3338"/>
+              </a:solidFill>
+              <a:latin typeface="Pragmatica" panose="020B0403040502020204" pitchFamily="34" charset="0"/>
+            </a:endParaRPr>
+          </a:p>
+        </p:txBody>
+      </p:sp>
+      <p:pic>
+        <p:nvPicPr>
+          <p:cNvPr id="5" name="Picture 4">
+            <a:extLst>
+              <a:ext uri="{FF2B5EF4-FFF2-40B4-BE49-F238E27FC236}">
+                <a16:creationId xmlns:a16="http://schemas.microsoft.com/office/drawing/2014/main" id="{54A06221-5316-4BCF-9FDA-BDB95FF4A778}"/>
+              </a:ext>
+            </a:extLst>
+          </p:cNvPr>
+          <p:cNvPicPr>
+            <a:picLocks noChangeAspect="1"/>
+          </p:cNvPicPr>
+          <p:nvPr/>
+        </p:nvPicPr>
+        <p:blipFill>
+          <a:blip r:embed="rId5">
+            <a:extLst>
+              <a:ext uri="{28A0092B-C50C-407E-A947-70E740481C1C}">
+                <a14:useLocalDpi xmlns:a14="http://schemas.microsoft.com/office/drawing/2010/main" val="0"/>
+              </a:ext>
+            </a:extLst>
+          </a:blip>
+          <a:srcRect/>
+          <a:stretch/>
+        </p:blipFill>
+        <p:spPr>
+          <a:xfrm>
+            <a:off x="12204691" y="3317239"/>
+            <a:ext cx="6083309" cy="6968672"/>
+          </a:xfrm>
+          <a:prstGeom prst="rect">
+            <a:avLst/>
+          </a:prstGeom>
+        </p:spPr>
+      </p:pic>
+    </p:spTree>
+    <p:extLst>
+      <p:ext uri="{BB962C8B-B14F-4D97-AF65-F5344CB8AC3E}">
+        <p14:creationId xmlns:p14="http://schemas.microsoft.com/office/powerpoint/2010/main" val="75588663"/>
       </p:ext>
     </p:extLst>
   </p:cSld>
@@ -3899,6 +5174,53 @@
           <a:xfrm>
             <a:off x="384642" y="7832951"/>
             <a:ext cx="5057775" cy="2028825"/>
+          </a:xfrm>
+          <a:prstGeom prst="rect">
+            <a:avLst/>
+          </a:prstGeom>
+          <a:noFill/>
+          <a:extLst>
+            <a:ext uri="{909E8E84-426E-40DD-AFC4-6F175D3DCCD1}">
+              <a14:hiddenFill xmlns:a14="http://schemas.microsoft.com/office/drawing/2010/main">
+                <a:solidFill>
+                  <a:srgbClr val="FFFFFF"/>
+                </a:solidFill>
+              </a14:hiddenFill>
+            </a:ext>
+          </a:extLst>
+        </p:spPr>
+      </p:pic>
+      <p:pic>
+        <p:nvPicPr>
+          <p:cNvPr id="2" name="Picture 2" descr="linkedinlearninginstructor #linkedinlearning | Thais Cooke | 80 comments">
+            <a:extLst>
+              <a:ext uri="{FF2B5EF4-FFF2-40B4-BE49-F238E27FC236}">
+                <a16:creationId xmlns:a16="http://schemas.microsoft.com/office/drawing/2014/main" id="{A27506DA-D960-1CA5-377A-D1629353CAC0}"/>
+              </a:ext>
+            </a:extLst>
+          </p:cNvPr>
+          <p:cNvPicPr>
+            <a:picLocks noChangeAspect="1" noChangeArrowheads="1"/>
+          </p:cNvPicPr>
+          <p:nvPr/>
+        </p:nvPicPr>
+        <p:blipFill>
+          <a:blip r:embed="rId7">
+            <a:extLst>
+              <a:ext uri="{28A0092B-C50C-407E-A947-70E740481C1C}">
+                <a14:useLocalDpi xmlns:a14="http://schemas.microsoft.com/office/drawing/2010/main" val="0"/>
+              </a:ext>
+            </a:extLst>
+          </a:blip>
+          <a:srcRect/>
+          <a:stretch>
+            <a:fillRect/>
+          </a:stretch>
+        </p:blipFill>
+        <p:spPr bwMode="auto">
+          <a:xfrm>
+            <a:off x="14356323" y="5726113"/>
+            <a:ext cx="3333750" cy="1371600"/>
           </a:xfrm>
           <a:prstGeom prst="rect">
             <a:avLst/>
@@ -3985,7 +5307,7 @@
         <p:spPr>
           <a:xfrm>
             <a:off x="520860" y="3191948"/>
-            <a:ext cx="16852739" cy="5909310"/>
+            <a:ext cx="16852739" cy="2677656"/>
           </a:xfrm>
           <a:prstGeom prst="rect">
             <a:avLst/>
@@ -4012,11 +5334,11 @@
                 </a:solidFill>
                 <a:latin typeface="Pragmatica" panose="020B0403040502020204" pitchFamily="34" charset="0"/>
               </a:rPr>
-              <a:t>Optimize data organization to enhance AI and ChatGPT performance in Excel.</a:t>
-            </a:r>
-          </a:p>
-          <a:p>
-            <a:pPr marL="685800" indent="-685800">
+              <a:t>Explore AI for Excel: Past, present, future….</a:t>
+            </a:r>
+          </a:p>
+          <a:p>
+            <a:pPr marL="1143000" lvl="1" indent="-685800">
               <a:buClr>
                 <a:srgbClr val="CF3338"/>
               </a:buClr>
@@ -4030,11 +5352,11 @@
                 </a:solidFill>
                 <a:latin typeface="Pragmatica" panose="020B0403040502020204" pitchFamily="34" charset="0"/>
               </a:rPr>
-              <a:t>Ensure data privacy and use AI responsibly.</a:t>
-            </a:r>
-          </a:p>
-          <a:p>
-            <a:pPr marL="685800" indent="-685800">
+              <a:t>Analyze Data and Power Query</a:t>
+            </a:r>
+          </a:p>
+          <a:p>
+            <a:pPr marL="1143000" lvl="1" indent="-685800">
               <a:buClr>
                 <a:srgbClr val="CF3338"/>
               </a:buClr>
@@ -4048,11 +5370,11 @@
                 </a:solidFill>
                 <a:latin typeface="Pragmatica" panose="020B0403040502020204" pitchFamily="34" charset="0"/>
               </a:rPr>
-              <a:t>Set clear objectives for AI solutions.</a:t>
-            </a:r>
-          </a:p>
-          <a:p>
-            <a:pPr marL="685800" indent="-685800">
+              <a:t>Python in Excel and Copilot</a:t>
+            </a:r>
+          </a:p>
+          <a:p>
+            <a:pPr marL="1143000" lvl="1" indent="-685800">
               <a:buClr>
                 <a:srgbClr val="CF3338"/>
               </a:buClr>
@@ -4066,43 +5388,7 @@
                 </a:solidFill>
                 <a:latin typeface="Pragmatica" panose="020B0403040502020204" pitchFamily="34" charset="0"/>
               </a:rPr>
-              <a:t>Leverage ChatGPT for debugging complex Excel formulas and improving efficiency.</a:t>
-            </a:r>
-          </a:p>
-          <a:p>
-            <a:pPr marL="685800" indent="-685800">
-              <a:buClr>
-                <a:srgbClr val="CF3338"/>
-              </a:buClr>
-              <a:buFont typeface="Arial" panose="020B0604020202020204" pitchFamily="34" charset="0"/>
-              <a:buChar char="•"/>
-            </a:pPr>
-            <a:r>
-              <a:rPr lang="en-US" sz="4200" dirty="0">
-                <a:solidFill>
-                  <a:srgbClr val="707070"/>
-                </a:solidFill>
-                <a:latin typeface="Pragmatica" panose="020B0403040502020204" pitchFamily="34" charset="0"/>
-              </a:rPr>
-              <a:t>Utilize AI for creating visualizations and extracting deeper data insights.</a:t>
-            </a:r>
-          </a:p>
-          <a:p>
-            <a:pPr marL="685800" indent="-685800">
-              <a:buClr>
-                <a:srgbClr val="CF3338"/>
-              </a:buClr>
-              <a:buFont typeface="Arial" panose="020B0604020202020204" pitchFamily="34" charset="0"/>
-              <a:buChar char="•"/>
-            </a:pPr>
-            <a:r>
-              <a:rPr lang="en-US" sz="4200" dirty="0">
-                <a:solidFill>
-                  <a:srgbClr val="707070"/>
-                </a:solidFill>
-                <a:latin typeface="Pragmatica" panose="020B0403040502020204" pitchFamily="34" charset="0"/>
-              </a:rPr>
-              <a:t>Showcase real-world examples of ChatGPT improving Excel workflows through hands-on demos.</a:t>
+              <a:t>Copilot for Finance and Virtual Agents</a:t>
             </a:r>
           </a:p>
         </p:txBody>
@@ -4230,8 +5516,8 @@
         </p:nvSpPr>
         <p:spPr>
           <a:xfrm>
-            <a:off x="520860" y="3191948"/>
-            <a:ext cx="16852739" cy="738664"/>
+            <a:off x="609600" y="2324100"/>
+            <a:ext cx="16852739" cy="923330"/>
           </a:xfrm>
           <a:prstGeom prst="rect">
             <a:avLst/>
@@ -4252,23 +5538,39 @@
               <a:buChar char="•"/>
             </a:pPr>
             <a:r>
-              <a:rPr lang="en-US" sz="4200" dirty="0">
+              <a:rPr lang="en-US" sz="5400" dirty="0">
                 <a:solidFill>
                   <a:srgbClr val="707070"/>
                 </a:solidFill>
                 <a:latin typeface="Pragmatica" panose="020B0403040502020204" pitchFamily="34" charset="0"/>
               </a:rPr>
-              <a:t>Exercise workbook: </a:t>
-            </a:r>
-            <a:r>
-              <a:rPr lang="en-US" sz="4200" dirty="0">
+              <a:t>Download files: </a:t>
+            </a:r>
+            <a:r>
+              <a:rPr lang="en-US" sz="5400" dirty="0">
                 <a:solidFill>
                   <a:srgbClr val="707070"/>
                 </a:solidFill>
-                <a:latin typeface="Consolas" panose="020B0609020204030204" pitchFamily="49" charset="0"/>
+                <a:latin typeface="Pragmatica" panose="020B0403040502020204" pitchFamily="34" charset="0"/>
+                <a:hlinkClick r:id="rId2"/>
               </a:rPr>
-              <a:t>intro-chatgpt-excel-start.xlsx</a:t>
-            </a:r>
+              <a:t>https://swiy.co/meonske</a:t>
+            </a:r>
+            <a:r>
+              <a:rPr lang="en-US" sz="5400" dirty="0">
+                <a:solidFill>
+                  <a:srgbClr val="707070"/>
+                </a:solidFill>
+                <a:latin typeface="Pragmatica" panose="020B0403040502020204" pitchFamily="34" charset="0"/>
+              </a:rPr>
+              <a:t>  </a:t>
+            </a:r>
+            <a:endParaRPr lang="en-US" sz="5400" dirty="0">
+              <a:solidFill>
+                <a:srgbClr val="707070"/>
+              </a:solidFill>
+              <a:latin typeface="Consolas" panose="020B0609020204030204" pitchFamily="49" charset="0"/>
+            </a:endParaRPr>
           </a:p>
         </p:txBody>
       </p:sp>
@@ -4287,7 +5589,7 @@
           <p:nvPr/>
         </p:nvPicPr>
         <p:blipFill>
-          <a:blip r:embed="rId2">
+          <a:blip r:embed="rId3">
             <a:extLst>
               <a:ext uri="{28A0092B-C50C-407E-A947-70E740481C1C}">
                 <a14:useLocalDpi xmlns:a14="http://schemas.microsoft.com/office/drawing/2010/main" val="0"/>
@@ -4302,6 +5604,42 @@
           <a:xfrm>
             <a:off x="16341036" y="8058429"/>
             <a:ext cx="1942857" cy="2228571"/>
+          </a:xfrm>
+          <a:prstGeom prst="rect">
+            <a:avLst/>
+          </a:prstGeom>
+        </p:spPr>
+      </p:pic>
+      <p:pic>
+        <p:nvPicPr>
+          <p:cNvPr id="4" name="Picture 3" descr="A black background with a black square&#10;&#10;AI-generated content may be incorrect.">
+            <a:extLst>
+              <a:ext uri="{FF2B5EF4-FFF2-40B4-BE49-F238E27FC236}">
+                <a16:creationId xmlns:a16="http://schemas.microsoft.com/office/drawing/2014/main" id="{14F5F0A0-4DD6-E561-B3F9-3C0B56E201C9}"/>
+              </a:ext>
+            </a:extLst>
+          </p:cNvPr>
+          <p:cNvPicPr>
+            <a:picLocks noChangeAspect="1"/>
+          </p:cNvPicPr>
+          <p:nvPr/>
+        </p:nvPicPr>
+        <p:blipFill>
+          <a:blip r:embed="rId4">
+            <a:extLst>
+              <a:ext uri="{28A0092B-C50C-407E-A947-70E740481C1C}">
+                <a14:useLocalDpi xmlns:a14="http://schemas.microsoft.com/office/drawing/2010/main" val="0"/>
+              </a:ext>
+            </a:extLst>
+          </a:blip>
+          <a:stretch>
+            <a:fillRect/>
+          </a:stretch>
+        </p:blipFill>
+        <p:spPr>
+          <a:xfrm>
+            <a:off x="8012714" y="4076700"/>
+            <a:ext cx="4495800" cy="4495800"/>
           </a:xfrm>
           <a:prstGeom prst="rect">
             <a:avLst/>
@@ -4569,7 +5907,7 @@
         <p:spPr>
           <a:xfrm>
             <a:off x="781292" y="590309"/>
-            <a:ext cx="15486926" cy="1615827"/>
+            <a:ext cx="15486926" cy="3139321"/>
           </a:xfrm>
           <a:prstGeom prst="rect">
             <a:avLst/>
@@ -4589,7 +5927,7 @@
                 </a:solidFill>
                 <a:latin typeface="Normafixed Tryout" panose="00000409000000000000" pitchFamily="49" charset="0"/>
               </a:rPr>
-              <a:t>Thank you</a:t>
+              <a:t>AI for Excel past: Analyze Data</a:t>
             </a:r>
           </a:p>
         </p:txBody>
@@ -4598,6 +5936,728 @@
     <p:extLst>
       <p:ext uri="{BB962C8B-B14F-4D97-AF65-F5344CB8AC3E}">
         <p14:creationId xmlns:p14="http://schemas.microsoft.com/office/powerpoint/2010/main" val="657829062"/>
+      </p:ext>
+    </p:extLst>
+  </p:cSld>
+  <p:clrMapOvr>
+    <a:masterClrMapping/>
+  </p:clrMapOvr>
+</p:sld>
+</file>
+
+<file path=ppt/slides/slide7.xml><?xml version="1.0" encoding="utf-8"?>
+<p:sld xmlns:a="http://schemas.openxmlformats.org/drawingml/2006/main" xmlns:r="http://schemas.openxmlformats.org/officeDocument/2006/relationships" xmlns:p="http://schemas.openxmlformats.org/presentationml/2006/main">
+  <p:cSld>
+    <p:spTree>
+      <p:nvGrpSpPr>
+        <p:cNvPr id="1" name="">
+          <a:extLst>
+            <a:ext uri="{FF2B5EF4-FFF2-40B4-BE49-F238E27FC236}">
+              <a16:creationId xmlns:a16="http://schemas.microsoft.com/office/drawing/2014/main" id="{0492CF18-E22C-EC7F-EDE7-AD66F1FA1181}"/>
+            </a:ext>
+          </a:extLst>
+        </p:cNvPr>
+        <p:cNvGrpSpPr/>
+        <p:nvPr/>
+      </p:nvGrpSpPr>
+      <p:grpSpPr>
+        <a:xfrm>
+          <a:off x="0" y="0"/>
+          <a:ext cx="0" cy="0"/>
+          <a:chOff x="0" y="0"/>
+          <a:chExt cx="0" cy="0"/>
+        </a:xfrm>
+      </p:grpSpPr>
+      <p:sp>
+        <p:nvSpPr>
+          <p:cNvPr id="4" name="Rectangle 3">
+            <a:extLst>
+              <a:ext uri="{FF2B5EF4-FFF2-40B4-BE49-F238E27FC236}">
+                <a16:creationId xmlns:a16="http://schemas.microsoft.com/office/drawing/2014/main" id="{328DDAAB-8C8F-3BD5-C0F9-0C62D4CFCB53}"/>
+              </a:ext>
+            </a:extLst>
+          </p:cNvPr>
+          <p:cNvSpPr/>
+          <p:nvPr/>
+        </p:nvSpPr>
+        <p:spPr>
+          <a:xfrm>
+            <a:off x="9861630" y="0"/>
+            <a:ext cx="8426370" cy="10287000"/>
+          </a:xfrm>
+          <a:prstGeom prst="rect">
+            <a:avLst/>
+          </a:prstGeom>
+          <a:solidFill>
+            <a:srgbClr val="CF3338"/>
+          </a:solidFill>
+          <a:ln>
+            <a:noFill/>
+          </a:ln>
+        </p:spPr>
+        <p:style>
+          <a:lnRef idx="2">
+            <a:schemeClr val="accent1">
+              <a:shade val="50000"/>
+            </a:schemeClr>
+          </a:lnRef>
+          <a:fillRef idx="1">
+            <a:schemeClr val="accent1"/>
+          </a:fillRef>
+          <a:effectRef idx="0">
+            <a:schemeClr val="accent1"/>
+          </a:effectRef>
+          <a:fontRef idx="minor">
+            <a:schemeClr val="lt1"/>
+          </a:fontRef>
+        </p:style>
+        <p:txBody>
+          <a:bodyPr rtlCol="0" anchor="ctr"/>
+          <a:lstStyle/>
+          <a:p>
+            <a:pPr algn="ctr"/>
+            <a:endParaRPr lang="en-US" sz="2700"/>
+          </a:p>
+        </p:txBody>
+      </p:sp>
+      <p:pic>
+        <p:nvPicPr>
+          <p:cNvPr id="2" name="Picture 1">
+            <a:extLst>
+              <a:ext uri="{FF2B5EF4-FFF2-40B4-BE49-F238E27FC236}">
+                <a16:creationId xmlns:a16="http://schemas.microsoft.com/office/drawing/2014/main" id="{32AF7859-2309-D6C6-92BD-E3F23BBF31A7}"/>
+              </a:ext>
+            </a:extLst>
+          </p:cNvPr>
+          <p:cNvPicPr>
+            <a:picLocks noChangeAspect="1"/>
+          </p:cNvPicPr>
+          <p:nvPr/>
+        </p:nvPicPr>
+        <p:blipFill rotWithShape="1">
+          <a:blip r:embed="rId3">
+            <a:extLst>
+              <a:ext uri="{28A0092B-C50C-407E-A947-70E740481C1C}">
+                <a14:useLocalDpi xmlns:a14="http://schemas.microsoft.com/office/drawing/2010/main" val="0"/>
+              </a:ext>
+            </a:extLst>
+          </a:blip>
+          <a:srcRect l="69227" t="33418" r="20112" b="50548"/>
+          <a:stretch/>
+        </p:blipFill>
+        <p:spPr>
+          <a:xfrm>
+            <a:off x="15579524" y="7544693"/>
+            <a:ext cx="2708477" cy="2987579"/>
+          </a:xfrm>
+          <a:prstGeom prst="rect">
+            <a:avLst/>
+          </a:prstGeom>
+        </p:spPr>
+      </p:pic>
+      <p:sp>
+        <p:nvSpPr>
+          <p:cNvPr id="3" name="TextBox 2">
+            <a:extLst>
+              <a:ext uri="{FF2B5EF4-FFF2-40B4-BE49-F238E27FC236}">
+                <a16:creationId xmlns:a16="http://schemas.microsoft.com/office/drawing/2014/main" id="{DB27589B-56F4-DF39-3E03-025E9297F5E1}"/>
+              </a:ext>
+            </a:extLst>
+          </p:cNvPr>
+          <p:cNvSpPr txBox="1"/>
+          <p:nvPr/>
+        </p:nvSpPr>
+        <p:spPr>
+          <a:xfrm>
+            <a:off x="260431" y="329879"/>
+            <a:ext cx="8906720" cy="8532592"/>
+          </a:xfrm>
+          <a:prstGeom prst="rect">
+            <a:avLst/>
+          </a:prstGeom>
+          <a:noFill/>
+        </p:spPr>
+        <p:txBody>
+          <a:bodyPr wrap="square" rtlCol="0">
+            <a:spAutoFit/>
+          </a:bodyPr>
+          <a:lstStyle/>
+          <a:p>
+            <a:r>
+              <a:rPr lang="en-US" sz="6000" b="1" dirty="0">
+                <a:solidFill>
+                  <a:srgbClr val="CF3338"/>
+                </a:solidFill>
+                <a:latin typeface="Pragmatica" panose="020B0403040502020204" pitchFamily="34" charset="0"/>
+              </a:rPr>
+              <a:t>AI for Excel past: Analyze Data</a:t>
+            </a:r>
+          </a:p>
+          <a:p>
+            <a:endParaRPr lang="en-US" sz="4200" dirty="0">
+              <a:solidFill>
+                <a:srgbClr val="CF3338"/>
+              </a:solidFill>
+              <a:latin typeface="Pragmatica" panose="020B0403040502020204" pitchFamily="34" charset="0"/>
+            </a:endParaRPr>
+          </a:p>
+          <a:p>
+            <a:pPr marL="685800" indent="-542925">
+              <a:lnSpc>
+                <a:spcPct val="115000"/>
+              </a:lnSpc>
+              <a:spcBef>
+                <a:spcPts val="1125"/>
+              </a:spcBef>
+              <a:buClr>
+                <a:srgbClr val="C00000"/>
+              </a:buClr>
+              <a:buSzPts val="2100"/>
+              <a:buFont typeface="Arial"/>
+              <a:buAutoNum type="arabicPeriod"/>
+            </a:pPr>
+            <a:r>
+              <a:rPr lang="en-US" sz="3600" dirty="0">
+                <a:solidFill>
+                  <a:srgbClr val="C00000"/>
+                </a:solidFill>
+                <a:latin typeface="Pragmatica" panose="020B0403040502020204"/>
+                <a:sym typeface="Consolas"/>
+              </a:rPr>
+              <a:t>Use natural language querying to get high-level summaries and visuals</a:t>
+            </a:r>
+          </a:p>
+          <a:p>
+            <a:pPr marL="685800" indent="-542925">
+              <a:lnSpc>
+                <a:spcPct val="115000"/>
+              </a:lnSpc>
+              <a:spcBef>
+                <a:spcPts val="1125"/>
+              </a:spcBef>
+              <a:buClr>
+                <a:srgbClr val="C00000"/>
+              </a:buClr>
+              <a:buSzPts val="2100"/>
+              <a:buFont typeface="Arial"/>
+              <a:buAutoNum type="arabicPeriod"/>
+            </a:pPr>
+            <a:r>
+              <a:rPr lang="en-US" sz="3600" dirty="0">
+                <a:solidFill>
+                  <a:srgbClr val="C00000"/>
+                </a:solidFill>
+                <a:latin typeface="Pragmatica" panose="020B0403040502020204"/>
+                <a:sym typeface="Consolas"/>
+              </a:rPr>
+              <a:t>Very limited intelligence outside of strict data analysis tasks</a:t>
+            </a:r>
+          </a:p>
+          <a:p>
+            <a:pPr marL="685800" indent="-542925">
+              <a:lnSpc>
+                <a:spcPct val="115000"/>
+              </a:lnSpc>
+              <a:spcBef>
+                <a:spcPts val="1125"/>
+              </a:spcBef>
+              <a:buClr>
+                <a:srgbClr val="C00000"/>
+              </a:buClr>
+              <a:buSzPts val="2100"/>
+              <a:buFont typeface="Arial"/>
+              <a:buAutoNum type="arabicPeriod"/>
+            </a:pPr>
+            <a:r>
+              <a:rPr lang="en-US" sz="3600" dirty="0">
+                <a:solidFill>
+                  <a:srgbClr val="C00000"/>
+                </a:solidFill>
+                <a:latin typeface="Pragmatica" panose="020B0403040502020204"/>
+                <a:sym typeface="Consolas"/>
+              </a:rPr>
+              <a:t>Data must be in easily machine-readable format (Power Query)… </a:t>
+            </a:r>
+          </a:p>
+          <a:p>
+            <a:pPr marL="142875">
+              <a:lnSpc>
+                <a:spcPct val="115000"/>
+              </a:lnSpc>
+              <a:spcBef>
+                <a:spcPts val="1125"/>
+              </a:spcBef>
+              <a:buClr>
+                <a:srgbClr val="C00000"/>
+              </a:buClr>
+              <a:buSzPts val="2100"/>
+            </a:pPr>
+            <a:r>
+              <a:rPr lang="en-US" sz="3600" dirty="0">
+                <a:solidFill>
+                  <a:srgbClr val="C00000"/>
+                </a:solidFill>
+                <a:latin typeface="Pragmatica" panose="020B0403040502020204"/>
+                <a:sym typeface="Consolas"/>
+              </a:rPr>
+              <a:t>File: </a:t>
+            </a:r>
+            <a:r>
+              <a:rPr lang="en-US" sz="3600" dirty="0">
+                <a:solidFill>
+                  <a:srgbClr val="C00000"/>
+                </a:solidFill>
+                <a:latin typeface="Consolas" panose="020B0609020204030204" pitchFamily="49" charset="0"/>
+                <a:sym typeface="Consolas"/>
+              </a:rPr>
+              <a:t>ai-for-excel-past.xlsx</a:t>
+            </a:r>
+            <a:endParaRPr lang="en-US" sz="6000" dirty="0">
+              <a:solidFill>
+                <a:srgbClr val="CF3338"/>
+              </a:solidFill>
+              <a:latin typeface="Consolas" panose="020B0609020204030204" pitchFamily="49" charset="0"/>
+            </a:endParaRPr>
+          </a:p>
+          <a:p>
+            <a:endParaRPr lang="en-US" sz="6000" dirty="0">
+              <a:solidFill>
+                <a:srgbClr val="CF3338"/>
+              </a:solidFill>
+              <a:latin typeface="Pragmatica" panose="020B0403040502020204" pitchFamily="34" charset="0"/>
+            </a:endParaRPr>
+          </a:p>
+        </p:txBody>
+      </p:sp>
+    </p:spTree>
+    <p:extLst>
+      <p:ext uri="{BB962C8B-B14F-4D97-AF65-F5344CB8AC3E}">
+        <p14:creationId xmlns:p14="http://schemas.microsoft.com/office/powerpoint/2010/main" val="3035686178"/>
+      </p:ext>
+    </p:extLst>
+  </p:cSld>
+  <p:clrMapOvr>
+    <a:masterClrMapping/>
+  </p:clrMapOvr>
+</p:sld>
+</file>
+
+<file path=ppt/slides/slide8.xml><?xml version="1.0" encoding="utf-8"?>
+<p:sld xmlns:a="http://schemas.openxmlformats.org/drawingml/2006/main" xmlns:r="http://schemas.openxmlformats.org/officeDocument/2006/relationships" xmlns:p="http://schemas.openxmlformats.org/presentationml/2006/main">
+  <p:cSld>
+    <p:spTree>
+      <p:nvGrpSpPr>
+        <p:cNvPr id="1" name="">
+          <a:extLst>
+            <a:ext uri="{FF2B5EF4-FFF2-40B4-BE49-F238E27FC236}">
+              <a16:creationId xmlns:a16="http://schemas.microsoft.com/office/drawing/2014/main" id="{71ABB05B-1611-FCF4-AAA7-BF0883C0ED2C}"/>
+            </a:ext>
+          </a:extLst>
+        </p:cNvPr>
+        <p:cNvGrpSpPr/>
+        <p:nvPr/>
+      </p:nvGrpSpPr>
+      <p:grpSpPr>
+        <a:xfrm>
+          <a:off x="0" y="0"/>
+          <a:ext cx="0" cy="0"/>
+          <a:chOff x="0" y="0"/>
+          <a:chExt cx="0" cy="0"/>
+        </a:xfrm>
+      </p:grpSpPr>
+      <p:sp>
+        <p:nvSpPr>
+          <p:cNvPr id="4" name="Rectangle 3">
+            <a:extLst>
+              <a:ext uri="{FF2B5EF4-FFF2-40B4-BE49-F238E27FC236}">
+                <a16:creationId xmlns:a16="http://schemas.microsoft.com/office/drawing/2014/main" id="{B404D344-65E6-365E-61D5-209F012DCF06}"/>
+              </a:ext>
+            </a:extLst>
+          </p:cNvPr>
+          <p:cNvSpPr/>
+          <p:nvPr/>
+        </p:nvSpPr>
+        <p:spPr>
+          <a:xfrm>
+            <a:off x="0" y="0"/>
+            <a:ext cx="18288000" cy="10287000"/>
+          </a:xfrm>
+          <a:prstGeom prst="rect">
+            <a:avLst/>
+          </a:prstGeom>
+          <a:solidFill>
+            <a:srgbClr val="CF3338"/>
+          </a:solidFill>
+          <a:ln>
+            <a:noFill/>
+          </a:ln>
+        </p:spPr>
+        <p:style>
+          <a:lnRef idx="2">
+            <a:schemeClr val="accent1">
+              <a:shade val="50000"/>
+            </a:schemeClr>
+          </a:lnRef>
+          <a:fillRef idx="1">
+            <a:schemeClr val="accent1"/>
+          </a:fillRef>
+          <a:effectRef idx="0">
+            <a:schemeClr val="accent1"/>
+          </a:effectRef>
+          <a:fontRef idx="minor">
+            <a:schemeClr val="lt1"/>
+          </a:fontRef>
+        </p:style>
+        <p:txBody>
+          <a:bodyPr rtlCol="0" anchor="ctr"/>
+          <a:lstStyle/>
+          <a:p>
+            <a:pPr algn="ctr"/>
+            <a:endParaRPr lang="en-US" sz="2700"/>
+          </a:p>
+        </p:txBody>
+      </p:sp>
+      <p:sp>
+        <p:nvSpPr>
+          <p:cNvPr id="5" name="TextBox 4">
+            <a:extLst>
+              <a:ext uri="{FF2B5EF4-FFF2-40B4-BE49-F238E27FC236}">
+                <a16:creationId xmlns:a16="http://schemas.microsoft.com/office/drawing/2014/main" id="{23BFB6AC-B387-E5A6-1F39-B83C25DFB850}"/>
+              </a:ext>
+            </a:extLst>
+          </p:cNvPr>
+          <p:cNvSpPr txBox="1"/>
+          <p:nvPr/>
+        </p:nvSpPr>
+        <p:spPr>
+          <a:xfrm>
+            <a:off x="781292" y="590309"/>
+            <a:ext cx="15486926" cy="3139321"/>
+          </a:xfrm>
+          <a:prstGeom prst="rect">
+            <a:avLst/>
+          </a:prstGeom>
+          <a:noFill/>
+        </p:spPr>
+        <p:txBody>
+          <a:bodyPr wrap="square" rtlCol="0">
+            <a:spAutoFit/>
+          </a:bodyPr>
+          <a:lstStyle/>
+          <a:p>
+            <a:r>
+              <a:rPr lang="en-US" sz="9900" b="1" dirty="0">
+                <a:solidFill>
+                  <a:schemeClr val="bg1"/>
+                </a:solidFill>
+                <a:latin typeface="Normafixed Tryout" panose="00000409000000000000" pitchFamily="49" charset="0"/>
+              </a:rPr>
+              <a:t>AI for Excel present: Python/Copilot</a:t>
+            </a:r>
+          </a:p>
+        </p:txBody>
+      </p:sp>
+    </p:spTree>
+    <p:extLst>
+      <p:ext uri="{BB962C8B-B14F-4D97-AF65-F5344CB8AC3E}">
+        <p14:creationId xmlns:p14="http://schemas.microsoft.com/office/powerpoint/2010/main" val="177857770"/>
+      </p:ext>
+    </p:extLst>
+  </p:cSld>
+  <p:clrMapOvr>
+    <a:masterClrMapping/>
+  </p:clrMapOvr>
+</p:sld>
+</file>
+
+<file path=ppt/slides/slide9.xml><?xml version="1.0" encoding="utf-8"?>
+<p:sld xmlns:a="http://schemas.openxmlformats.org/drawingml/2006/main" xmlns:r="http://schemas.openxmlformats.org/officeDocument/2006/relationships" xmlns:p="http://schemas.openxmlformats.org/presentationml/2006/main">
+  <p:cSld>
+    <p:spTree>
+      <p:nvGrpSpPr>
+        <p:cNvPr id="1" name="">
+          <a:extLst>
+            <a:ext uri="{FF2B5EF4-FFF2-40B4-BE49-F238E27FC236}">
+              <a16:creationId xmlns:a16="http://schemas.microsoft.com/office/drawing/2014/main" id="{42B60A13-4A66-2CAE-8071-4ADE24CB46A2}"/>
+            </a:ext>
+          </a:extLst>
+        </p:cNvPr>
+        <p:cNvGrpSpPr/>
+        <p:nvPr/>
+      </p:nvGrpSpPr>
+      <p:grpSpPr>
+        <a:xfrm>
+          <a:off x="0" y="0"/>
+          <a:ext cx="0" cy="0"/>
+          <a:chOff x="0" y="0"/>
+          <a:chExt cx="0" cy="0"/>
+        </a:xfrm>
+      </p:grpSpPr>
+      <p:sp>
+        <p:nvSpPr>
+          <p:cNvPr id="4" name="Rectangle 3">
+            <a:extLst>
+              <a:ext uri="{FF2B5EF4-FFF2-40B4-BE49-F238E27FC236}">
+                <a16:creationId xmlns:a16="http://schemas.microsoft.com/office/drawing/2014/main" id="{739F235C-BC4C-C15F-0F95-1D7033EF8524}"/>
+              </a:ext>
+            </a:extLst>
+          </p:cNvPr>
+          <p:cNvSpPr/>
+          <p:nvPr/>
+        </p:nvSpPr>
+        <p:spPr>
+          <a:xfrm>
+            <a:off x="9861630" y="0"/>
+            <a:ext cx="8426370" cy="10287000"/>
+          </a:xfrm>
+          <a:prstGeom prst="rect">
+            <a:avLst/>
+          </a:prstGeom>
+          <a:solidFill>
+            <a:srgbClr val="CF3338"/>
+          </a:solidFill>
+          <a:ln>
+            <a:noFill/>
+          </a:ln>
+        </p:spPr>
+        <p:style>
+          <a:lnRef idx="2">
+            <a:schemeClr val="accent1">
+              <a:shade val="50000"/>
+            </a:schemeClr>
+          </a:lnRef>
+          <a:fillRef idx="1">
+            <a:schemeClr val="accent1"/>
+          </a:fillRef>
+          <a:effectRef idx="0">
+            <a:schemeClr val="accent1"/>
+          </a:effectRef>
+          <a:fontRef idx="minor">
+            <a:schemeClr val="lt1"/>
+          </a:fontRef>
+        </p:style>
+        <p:txBody>
+          <a:bodyPr rtlCol="0" anchor="ctr"/>
+          <a:lstStyle/>
+          <a:p>
+            <a:pPr algn="ctr"/>
+            <a:endParaRPr lang="en-US" sz="2700"/>
+          </a:p>
+        </p:txBody>
+      </p:sp>
+      <p:pic>
+        <p:nvPicPr>
+          <p:cNvPr id="2" name="Picture 1">
+            <a:extLst>
+              <a:ext uri="{FF2B5EF4-FFF2-40B4-BE49-F238E27FC236}">
+                <a16:creationId xmlns:a16="http://schemas.microsoft.com/office/drawing/2014/main" id="{CD541B1A-1387-F7A3-71AD-7C32071CCF34}"/>
+              </a:ext>
+            </a:extLst>
+          </p:cNvPr>
+          <p:cNvPicPr>
+            <a:picLocks noChangeAspect="1"/>
+          </p:cNvPicPr>
+          <p:nvPr/>
+        </p:nvPicPr>
+        <p:blipFill rotWithShape="1">
+          <a:blip r:embed="rId3">
+            <a:extLst>
+              <a:ext uri="{28A0092B-C50C-407E-A947-70E740481C1C}">
+                <a14:useLocalDpi xmlns:a14="http://schemas.microsoft.com/office/drawing/2010/main" val="0"/>
+              </a:ext>
+            </a:extLst>
+          </a:blip>
+          <a:srcRect l="69227" t="33418" r="20112" b="50548"/>
+          <a:stretch/>
+        </p:blipFill>
+        <p:spPr>
+          <a:xfrm>
+            <a:off x="15579524" y="7544693"/>
+            <a:ext cx="2708477" cy="2987579"/>
+          </a:xfrm>
+          <a:prstGeom prst="rect">
+            <a:avLst/>
+          </a:prstGeom>
+        </p:spPr>
+      </p:pic>
+      <p:sp>
+        <p:nvSpPr>
+          <p:cNvPr id="3" name="TextBox 2">
+            <a:extLst>
+              <a:ext uri="{FF2B5EF4-FFF2-40B4-BE49-F238E27FC236}">
+                <a16:creationId xmlns:a16="http://schemas.microsoft.com/office/drawing/2014/main" id="{88506A92-1304-CA62-DCF5-DCE0E03792E4}"/>
+              </a:ext>
+            </a:extLst>
+          </p:cNvPr>
+          <p:cNvSpPr txBox="1"/>
+          <p:nvPr/>
+        </p:nvSpPr>
+        <p:spPr>
+          <a:xfrm>
+            <a:off x="260431" y="329879"/>
+            <a:ext cx="8906720" cy="7258397"/>
+          </a:xfrm>
+          <a:prstGeom prst="rect">
+            <a:avLst/>
+          </a:prstGeom>
+          <a:noFill/>
+        </p:spPr>
+        <p:txBody>
+          <a:bodyPr wrap="square" rtlCol="0">
+            <a:spAutoFit/>
+          </a:bodyPr>
+          <a:lstStyle/>
+          <a:p>
+            <a:r>
+              <a:rPr lang="en-US" sz="6000" b="1" dirty="0">
+                <a:solidFill>
+                  <a:srgbClr val="CF3338"/>
+                </a:solidFill>
+                <a:latin typeface="Pragmatica" panose="020B0403040502020204" pitchFamily="34" charset="0"/>
+              </a:rPr>
+              <a:t>AI for Excel present: Python/Copilot</a:t>
+            </a:r>
+          </a:p>
+          <a:p>
+            <a:endParaRPr lang="en-US" sz="4200" dirty="0">
+              <a:solidFill>
+                <a:srgbClr val="CF3338"/>
+              </a:solidFill>
+              <a:latin typeface="Pragmatica" panose="020B0403040502020204" pitchFamily="34" charset="0"/>
+            </a:endParaRPr>
+          </a:p>
+          <a:p>
+            <a:pPr marL="685800" indent="-542925">
+              <a:lnSpc>
+                <a:spcPct val="115000"/>
+              </a:lnSpc>
+              <a:spcBef>
+                <a:spcPts val="1125"/>
+              </a:spcBef>
+              <a:buClr>
+                <a:srgbClr val="C00000"/>
+              </a:buClr>
+              <a:buSzPts val="2100"/>
+              <a:buFont typeface="Arial"/>
+              <a:buAutoNum type="arabicPeriod"/>
+            </a:pPr>
+            <a:r>
+              <a:rPr lang="en-US" sz="3600" dirty="0">
+                <a:solidFill>
+                  <a:srgbClr val="C00000"/>
+                </a:solidFill>
+                <a:latin typeface="Pragmatica" panose="020B0403040502020204"/>
+                <a:sym typeface="Consolas"/>
+              </a:rPr>
+              <a:t>Intelligent about a variety of tasks</a:t>
+            </a:r>
+          </a:p>
+          <a:p>
+            <a:pPr marL="685800" indent="-542925">
+              <a:lnSpc>
+                <a:spcPct val="115000"/>
+              </a:lnSpc>
+              <a:spcBef>
+                <a:spcPts val="1125"/>
+              </a:spcBef>
+              <a:buClr>
+                <a:srgbClr val="C00000"/>
+              </a:buClr>
+              <a:buSzPts val="2100"/>
+              <a:buFont typeface="Arial"/>
+              <a:buAutoNum type="arabicPeriod"/>
+            </a:pPr>
+            <a:r>
+              <a:rPr lang="en-US" sz="3600" dirty="0">
+                <a:solidFill>
+                  <a:srgbClr val="C00000"/>
+                </a:solidFill>
+                <a:latin typeface="Pragmatica" panose="020B0403040502020204"/>
+                <a:sym typeface="Consolas"/>
+              </a:rPr>
+              <a:t>Basic mathematical reasoning</a:t>
+            </a:r>
+          </a:p>
+          <a:p>
+            <a:pPr marL="685800" indent="-542925">
+              <a:lnSpc>
+                <a:spcPct val="115000"/>
+              </a:lnSpc>
+              <a:spcBef>
+                <a:spcPts val="1125"/>
+              </a:spcBef>
+              <a:buClr>
+                <a:srgbClr val="C00000"/>
+              </a:buClr>
+              <a:buSzPts val="2100"/>
+              <a:buFont typeface="Arial"/>
+              <a:buAutoNum type="arabicPeriod"/>
+            </a:pPr>
+            <a:r>
+              <a:rPr lang="en-US" sz="3600" dirty="0">
+                <a:solidFill>
+                  <a:srgbClr val="C00000"/>
+                </a:solidFill>
+                <a:latin typeface="Pragmatica" panose="020B0403040502020204"/>
+                <a:sym typeface="Consolas"/>
+              </a:rPr>
+              <a:t>Works very well when problems are translated into code (Python)</a:t>
+            </a:r>
+          </a:p>
+          <a:p>
+            <a:pPr marL="142875">
+              <a:lnSpc>
+                <a:spcPct val="115000"/>
+              </a:lnSpc>
+              <a:spcBef>
+                <a:spcPts val="1125"/>
+              </a:spcBef>
+              <a:buClr>
+                <a:srgbClr val="C00000"/>
+              </a:buClr>
+              <a:buSzPts val="2100"/>
+            </a:pPr>
+            <a:r>
+              <a:rPr lang="en-US" sz="3600" dirty="0">
+                <a:solidFill>
+                  <a:srgbClr val="C00000"/>
+                </a:solidFill>
+                <a:latin typeface="Pragmatica" panose="020B0403040502020204"/>
+                <a:sym typeface="Consolas"/>
+              </a:rPr>
+              <a:t>File: </a:t>
+            </a:r>
+            <a:r>
+              <a:rPr lang="en-US" sz="3600" dirty="0">
+                <a:solidFill>
+                  <a:srgbClr val="C00000"/>
+                </a:solidFill>
+                <a:latin typeface="Consolas" panose="020B0609020204030204" pitchFamily="49" charset="0"/>
+                <a:sym typeface="Consolas"/>
+              </a:rPr>
+              <a:t>ai-for-excel-present.xlsx</a:t>
+            </a:r>
+            <a:endParaRPr lang="en-US" sz="6000" dirty="0">
+              <a:solidFill>
+                <a:srgbClr val="CF3338"/>
+              </a:solidFill>
+              <a:latin typeface="Consolas" panose="020B0609020204030204" pitchFamily="49" charset="0"/>
+            </a:endParaRPr>
+          </a:p>
+          <a:p>
+            <a:endParaRPr lang="en-US" sz="6000" dirty="0">
+              <a:solidFill>
+                <a:srgbClr val="CF3338"/>
+              </a:solidFill>
+              <a:latin typeface="Pragmatica" panose="020B0403040502020204" pitchFamily="34" charset="0"/>
+            </a:endParaRPr>
+          </a:p>
+        </p:txBody>
+      </p:sp>
+    </p:spTree>
+    <p:extLst>
+      <p:ext uri="{BB962C8B-B14F-4D97-AF65-F5344CB8AC3E}">
+        <p14:creationId xmlns:p14="http://schemas.microsoft.com/office/powerpoint/2010/main" val="2086593712"/>
       </p:ext>
     </p:extLst>
   </p:cSld>
